--- a/my-brain/Лекция GS/Сборка Angular приложения.pptx
+++ b/my-brain/Лекция GS/Сборка Angular приложения.pptx
@@ -8,6 +8,10 @@
     <p:sldId id="256" r:id="rId2"/>
     <p:sldId id="257" r:id="rId3"/>
     <p:sldId id="258" r:id="rId4"/>
+    <p:sldId id="259" r:id="rId5"/>
+    <p:sldId id="260" r:id="rId6"/>
+    <p:sldId id="261" r:id="rId7"/>
+    <p:sldId id="262" r:id="rId8"/>
   </p:sldIdLst>
   <p:sldSz cx="12192000" cy="6858000"/>
   <p:notesSz cx="6858000" cy="9144000"/>
@@ -245,7 +249,7 @@
           <a:p>
             <a:fld id="{04E83EB1-0979-4494-9D51-165DBAFE2DE4}" type="datetimeFigureOut">
               <a:rPr lang="ru-RU" smtClean="0"/>
-              <a:t>12.04.2025</a:t>
+              <a:t>06.05.2025</a:t>
             </a:fld>
             <a:endParaRPr lang="ru-RU"/>
           </a:p>
@@ -415,7 +419,7 @@
           <a:p>
             <a:fld id="{04E83EB1-0979-4494-9D51-165DBAFE2DE4}" type="datetimeFigureOut">
               <a:rPr lang="ru-RU" smtClean="0"/>
-              <a:t>12.04.2025</a:t>
+              <a:t>06.05.2025</a:t>
             </a:fld>
             <a:endParaRPr lang="ru-RU"/>
           </a:p>
@@ -595,7 +599,7 @@
           <a:p>
             <a:fld id="{04E83EB1-0979-4494-9D51-165DBAFE2DE4}" type="datetimeFigureOut">
               <a:rPr lang="ru-RU" smtClean="0"/>
-              <a:t>12.04.2025</a:t>
+              <a:t>06.05.2025</a:t>
             </a:fld>
             <a:endParaRPr lang="ru-RU"/>
           </a:p>
@@ -765,7 +769,7 @@
           <a:p>
             <a:fld id="{04E83EB1-0979-4494-9D51-165DBAFE2DE4}" type="datetimeFigureOut">
               <a:rPr lang="ru-RU" smtClean="0"/>
-              <a:t>12.04.2025</a:t>
+              <a:t>06.05.2025</a:t>
             </a:fld>
             <a:endParaRPr lang="ru-RU"/>
           </a:p>
@@ -1011,7 +1015,7 @@
           <a:p>
             <a:fld id="{04E83EB1-0979-4494-9D51-165DBAFE2DE4}" type="datetimeFigureOut">
               <a:rPr lang="ru-RU" smtClean="0"/>
-              <a:t>12.04.2025</a:t>
+              <a:t>06.05.2025</a:t>
             </a:fld>
             <a:endParaRPr lang="ru-RU"/>
           </a:p>
@@ -1243,7 +1247,7 @@
           <a:p>
             <a:fld id="{04E83EB1-0979-4494-9D51-165DBAFE2DE4}" type="datetimeFigureOut">
               <a:rPr lang="ru-RU" smtClean="0"/>
-              <a:t>12.04.2025</a:t>
+              <a:t>06.05.2025</a:t>
             </a:fld>
             <a:endParaRPr lang="ru-RU"/>
           </a:p>
@@ -1610,7 +1614,7 @@
           <a:p>
             <a:fld id="{04E83EB1-0979-4494-9D51-165DBAFE2DE4}" type="datetimeFigureOut">
               <a:rPr lang="ru-RU" smtClean="0"/>
-              <a:t>12.04.2025</a:t>
+              <a:t>06.05.2025</a:t>
             </a:fld>
             <a:endParaRPr lang="ru-RU"/>
           </a:p>
@@ -1728,7 +1732,7 @@
           <a:p>
             <a:fld id="{04E83EB1-0979-4494-9D51-165DBAFE2DE4}" type="datetimeFigureOut">
               <a:rPr lang="ru-RU" smtClean="0"/>
-              <a:t>12.04.2025</a:t>
+              <a:t>06.05.2025</a:t>
             </a:fld>
             <a:endParaRPr lang="ru-RU"/>
           </a:p>
@@ -1823,7 +1827,7 @@
           <a:p>
             <a:fld id="{04E83EB1-0979-4494-9D51-165DBAFE2DE4}" type="datetimeFigureOut">
               <a:rPr lang="ru-RU" smtClean="0"/>
-              <a:t>12.04.2025</a:t>
+              <a:t>06.05.2025</a:t>
             </a:fld>
             <a:endParaRPr lang="ru-RU"/>
           </a:p>
@@ -2100,7 +2104,7 @@
           <a:p>
             <a:fld id="{04E83EB1-0979-4494-9D51-165DBAFE2DE4}" type="datetimeFigureOut">
               <a:rPr lang="ru-RU" smtClean="0"/>
-              <a:t>12.04.2025</a:t>
+              <a:t>06.05.2025</a:t>
             </a:fld>
             <a:endParaRPr lang="ru-RU"/>
           </a:p>
@@ -2353,7 +2357,7 @@
           <a:p>
             <a:fld id="{04E83EB1-0979-4494-9D51-165DBAFE2DE4}" type="datetimeFigureOut">
               <a:rPr lang="ru-RU" smtClean="0"/>
-              <a:t>12.04.2025</a:t>
+              <a:t>06.05.2025</a:t>
             </a:fld>
             <a:endParaRPr lang="ru-RU"/>
           </a:p>
@@ -2566,7 +2570,7 @@
           <a:p>
             <a:fld id="{04E83EB1-0979-4494-9D51-165DBAFE2DE4}" type="datetimeFigureOut">
               <a:rPr lang="ru-RU" smtClean="0"/>
-              <a:t>12.04.2025</a:t>
+              <a:t>06.05.2025</a:t>
             </a:fld>
             <a:endParaRPr lang="ru-RU"/>
           </a:p>
@@ -3229,10 +3233,10 @@
         </p:nvGrpSpPr>
         <p:grpSpPr>
           <a:xfrm>
-            <a:off x="677539" y="2069433"/>
-            <a:ext cx="10750339" cy="3138703"/>
-            <a:chOff x="653476" y="1612233"/>
-            <a:chExt cx="10750339" cy="3138703"/>
+            <a:off x="1165705" y="1977993"/>
+            <a:ext cx="9430907" cy="3482089"/>
+            <a:chOff x="-233937" y="1612233"/>
+            <a:chExt cx="10003260" cy="3482089"/>
           </a:xfrm>
         </p:grpSpPr>
         <p:grpSp>
@@ -3243,10 +3247,10 @@
           </p:nvGrpSpPr>
           <p:grpSpPr>
             <a:xfrm>
-              <a:off x="1049212" y="1612233"/>
-              <a:ext cx="10187101" cy="2011578"/>
-              <a:chOff x="1034352" y="2334127"/>
-              <a:chExt cx="10187101" cy="2011578"/>
+              <a:off x="161798" y="1612233"/>
+              <a:ext cx="9368197" cy="2011578"/>
+              <a:chOff x="146938" y="2334127"/>
+              <a:chExt cx="9368197" cy="2011578"/>
             </a:xfrm>
           </p:grpSpPr>
           <p:grpSp>
@@ -3257,10 +3261,10 @@
             </p:nvGrpSpPr>
             <p:grpSpPr>
               <a:xfrm>
-                <a:off x="1034352" y="2334127"/>
-                <a:ext cx="1347900" cy="2011578"/>
-                <a:chOff x="1479520" y="2399745"/>
-                <a:chExt cx="1343891" cy="2257349"/>
+                <a:off x="146938" y="2334127"/>
+                <a:ext cx="1347901" cy="2011578"/>
+                <a:chOff x="594746" y="2399745"/>
+                <a:chExt cx="1343892" cy="2257349"/>
               </a:xfrm>
             </p:grpSpPr>
             <p:sp>
@@ -3271,8 +3275,8 @@
               </p:nvSpPr>
               <p:spPr>
                 <a:xfrm>
-                  <a:off x="1479520" y="2399745"/>
-                  <a:ext cx="1343891" cy="2175895"/>
+                  <a:off x="594746" y="2399745"/>
+                  <a:ext cx="1343892" cy="2175895"/>
                 </a:xfrm>
                 <a:prstGeom prst="rect">
                   <a:avLst/>
@@ -3315,7 +3319,7 @@
               </p:nvSpPr>
               <p:spPr>
                 <a:xfrm rot="16200000">
-                  <a:off x="1429569" y="3419193"/>
+                  <a:off x="544795" y="3419193"/>
                   <a:ext cx="1287852" cy="1187949"/>
                 </a:xfrm>
                 <a:prstGeom prst="rtTriangle">
@@ -3371,10 +3375,10 @@
             </p:nvGrpSpPr>
             <p:grpSpPr>
               <a:xfrm>
-                <a:off x="3315979" y="2334127"/>
-                <a:ext cx="1347901" cy="2011576"/>
-                <a:chOff x="3315979" y="2334127"/>
-                <a:chExt cx="1347901" cy="2011576"/>
+                <a:off x="2871572" y="2334127"/>
+                <a:ext cx="1347900" cy="2011576"/>
+                <a:chOff x="2871572" y="2334127"/>
+                <a:chExt cx="1347900" cy="2011576"/>
               </a:xfrm>
             </p:grpSpPr>
             <p:sp>
@@ -3385,7 +3389,7 @@
               </p:nvSpPr>
               <p:spPr>
                 <a:xfrm>
-                  <a:off x="3315980" y="2334127"/>
+                  <a:off x="2871572" y="2334127"/>
                   <a:ext cx="1347900" cy="1938992"/>
                 </a:xfrm>
                 <a:prstGeom prst="rect">
@@ -3410,14 +3414,6 @@
                     </a:rPr>
                     <a:t>2</a:t>
                   </a:r>
-                  <a:endParaRPr lang="ru-RU" sz="12000" b="1" dirty="0">
-                    <a:solidFill>
-                      <a:srgbClr val="F171FF"/>
-                    </a:solidFill>
-                    <a:latin typeface="Roboto Black" panose="02000000000000000000" pitchFamily="2" charset="0"/>
-                    <a:ea typeface="Roboto Black" panose="02000000000000000000" pitchFamily="2" charset="0"/>
-                    <a:cs typeface="Roboto Black" panose="02000000000000000000" pitchFamily="2" charset="0"/>
-                  </a:endParaRPr>
                 </a:p>
               </p:txBody>
             </p:sp>
@@ -3429,7 +3425,7 @@
               </p:nvSpPr>
               <p:spPr>
                 <a:xfrm rot="16200000">
-                  <a:off x="3337908" y="3176138"/>
+                  <a:off x="2893501" y="3176138"/>
                   <a:ext cx="1147636" cy="1191493"/>
                 </a:xfrm>
                 <a:prstGeom prst="rtTriangle">
@@ -3599,9 +3595,9 @@
             </p:nvGrpSpPr>
             <p:grpSpPr>
               <a:xfrm>
-                <a:off x="7735579" y="2334127"/>
+                <a:off x="8167234" y="2334127"/>
                 <a:ext cx="1347901" cy="2011576"/>
-                <a:chOff x="7735579" y="2334127"/>
+                <a:chOff x="8167234" y="2334127"/>
                 <a:chExt cx="1347901" cy="2011576"/>
               </a:xfrm>
             </p:grpSpPr>
@@ -3613,7 +3609,7 @@
               </p:nvSpPr>
               <p:spPr>
                 <a:xfrm>
-                  <a:off x="7735580" y="2334127"/>
+                  <a:off x="8167235" y="2334127"/>
                   <a:ext cx="1347900" cy="1938992"/>
                 </a:xfrm>
                 <a:prstGeom prst="rect">
@@ -3657,121 +3653,7 @@
               </p:nvSpPr>
               <p:spPr>
                 <a:xfrm rot="16200000">
-                  <a:off x="7757508" y="3176138"/>
-                  <a:ext cx="1147636" cy="1191493"/>
-                </a:xfrm>
-                <a:prstGeom prst="rtTriangle">
-                  <a:avLst/>
-                </a:prstGeom>
-                <a:solidFill>
-                  <a:srgbClr val="FFFDDA"/>
-                </a:solidFill>
-                <a:ln>
-                  <a:noFill/>
-                </a:ln>
-                <a:effectLst>
-                  <a:outerShdw blurRad="38100" dist="63500" dir="14100000" sx="93000" sy="93000" algn="br" rotWithShape="0">
-                    <a:prstClr val="black"/>
-                  </a:outerShdw>
-                </a:effectLst>
-              </p:spPr>
-              <p:style>
-                <a:lnRef idx="2">
-                  <a:schemeClr val="accent1">
-                    <a:shade val="50000"/>
-                  </a:schemeClr>
-                </a:lnRef>
-                <a:fillRef idx="1">
-                  <a:schemeClr val="accent1"/>
-                </a:fillRef>
-                <a:effectRef idx="0">
-                  <a:schemeClr val="accent1"/>
-                </a:effectRef>
-                <a:fontRef idx="minor">
-                  <a:schemeClr val="lt1"/>
-                </a:fontRef>
-              </p:style>
-              <p:txBody>
-                <a:bodyPr rtlCol="0" anchor="ctr"/>
-                <a:lstStyle/>
-                <a:p>
-                  <a:pPr algn="ctr"/>
-                  <a:endParaRPr lang="ru-RU">
-                    <a:solidFill>
-                      <a:srgbClr val="FF00FF"/>
-                    </a:solidFill>
-                  </a:endParaRPr>
-                </a:p>
-              </p:txBody>
-            </p:sp>
-          </p:grpSp>
-          <p:grpSp>
-            <p:nvGrpSpPr>
-              <p:cNvPr id="28" name="Группа 27"/>
-              <p:cNvGrpSpPr/>
-              <p:nvPr/>
-            </p:nvGrpSpPr>
-            <p:grpSpPr>
-              <a:xfrm>
-                <a:off x="9873552" y="2334127"/>
-                <a:ext cx="1347901" cy="2011575"/>
-                <a:chOff x="9873552" y="2334127"/>
-                <a:chExt cx="1347901" cy="2011575"/>
-              </a:xfrm>
-            </p:grpSpPr>
-            <p:sp>
-              <p:nvSpPr>
-                <p:cNvPr id="10" name="TextBox 9"/>
-                <p:cNvSpPr txBox="1"/>
-                <p:nvPr/>
-              </p:nvSpPr>
-              <p:spPr>
-                <a:xfrm>
-                  <a:off x="9873553" y="2334127"/>
-                  <a:ext cx="1347900" cy="1938992"/>
-                </a:xfrm>
-                <a:prstGeom prst="rect">
-                  <a:avLst/>
-                </a:prstGeom>
-                <a:noFill/>
-              </p:spPr>
-              <p:txBody>
-                <a:bodyPr wrap="square" rtlCol="0">
-                  <a:spAutoFit/>
-                </a:bodyPr>
-                <a:lstStyle/>
-                <a:p>
-                  <a:r>
-                    <a:rPr lang="en-US" sz="12000" b="1" dirty="0" smtClean="0">
-                      <a:solidFill>
-                        <a:srgbClr val="71A7FF"/>
-                      </a:solidFill>
-                      <a:latin typeface="Roboto Black" panose="02000000000000000000" pitchFamily="2" charset="0"/>
-                      <a:ea typeface="Roboto Black" panose="02000000000000000000" pitchFamily="2" charset="0"/>
-                      <a:cs typeface="Roboto Black" panose="02000000000000000000" pitchFamily="2" charset="0"/>
-                    </a:rPr>
-                    <a:t>5</a:t>
-                  </a:r>
-                  <a:endParaRPr lang="ru-RU" sz="12000" b="1" dirty="0">
-                    <a:solidFill>
-                      <a:srgbClr val="71A7FF"/>
-                    </a:solidFill>
-                    <a:latin typeface="Roboto Black" panose="02000000000000000000" pitchFamily="2" charset="0"/>
-                    <a:ea typeface="Roboto Black" panose="02000000000000000000" pitchFamily="2" charset="0"/>
-                    <a:cs typeface="Roboto Black" panose="02000000000000000000" pitchFamily="2" charset="0"/>
-                  </a:endParaRPr>
-                </a:p>
-              </p:txBody>
-            </p:sp>
-            <p:sp>
-              <p:nvSpPr>
-                <p:cNvPr id="26" name="Прямоугольный треугольник 25"/>
-                <p:cNvSpPr/>
-                <p:nvPr/>
-              </p:nvSpPr>
-              <p:spPr>
-                <a:xfrm rot="16200000">
-                  <a:off x="9895481" y="3176137"/>
+                  <a:off x="8189163" y="3176138"/>
                   <a:ext cx="1147636" cy="1191493"/>
                 </a:xfrm>
                 <a:prstGeom prst="rtTriangle">
@@ -3844,31 +3726,7 @@
           </p:blipFill>
           <p:spPr>
             <a:xfrm>
-              <a:off x="1691905" y="3080084"/>
-              <a:ext cx="543724" cy="543724"/>
-            </a:xfrm>
-            <a:prstGeom prst="rect">
-              <a:avLst/>
-            </a:prstGeom>
-          </p:spPr>
-        </p:pic>
-        <p:pic>
-          <p:nvPicPr>
-            <p:cNvPr id="32" name="Рисунок 31"/>
-            <p:cNvPicPr>
-              <a:picLocks noChangeAspect="1"/>
-            </p:cNvPicPr>
-            <p:nvPr/>
-          </p:nvPicPr>
-          <p:blipFill>
-            <a:blip r:embed="rId3"/>
-            <a:stretch>
-              <a:fillRect/>
-            </a:stretch>
-          </p:blipFill>
-          <p:spPr>
-            <a:xfrm>
-              <a:off x="3978609" y="3080085"/>
+              <a:off x="804493" y="3080084"/>
               <a:ext cx="543724" cy="543724"/>
             </a:xfrm>
             <a:prstGeom prst="rect">
@@ -3885,13 +3743,13 @@
             <p:nvPr/>
           </p:nvPicPr>
           <p:blipFill rotWithShape="1">
-            <a:blip r:embed="rId4"/>
+            <a:blip r:embed="rId3"/>
             <a:srcRect l="6953" t="2433" r="5364" b="1020"/>
             <a:stretch/>
           </p:blipFill>
           <p:spPr>
             <a:xfrm>
-              <a:off x="6304089" y="3080114"/>
+              <a:off x="3578574" y="3078422"/>
               <a:ext cx="499872" cy="543694"/>
             </a:xfrm>
             <a:prstGeom prst="rect">
@@ -3908,13 +3766,13 @@
             <p:nvPr/>
           </p:nvPicPr>
           <p:blipFill rotWithShape="1">
-            <a:blip r:embed="rId5"/>
+            <a:blip r:embed="rId4"/>
             <a:srcRect l="20634" r="20505"/>
             <a:stretch/>
           </p:blipFill>
           <p:spPr>
             <a:xfrm>
-              <a:off x="8618281" y="3080084"/>
+              <a:off x="6485276" y="3078392"/>
               <a:ext cx="320040" cy="543724"/>
             </a:xfrm>
             <a:prstGeom prst="rect">
@@ -3931,7 +3789,7 @@
             <p:nvPr/>
           </p:nvPicPr>
           <p:blipFill rotWithShape="1">
-            <a:blip r:embed="rId6" cstate="print">
+            <a:blip r:embed="rId5" cstate="print">
               <a:extLst>
                 <a:ext uri="{28A0092B-C50C-407E-A947-70E740481C1C}">
                   <a14:useLocalDpi xmlns:a14="http://schemas.microsoft.com/office/drawing/2010/main" val="0"/>
@@ -3943,7 +3801,7 @@
           </p:blipFill>
           <p:spPr>
             <a:xfrm>
-              <a:off x="10561320" y="3080084"/>
+              <a:off x="8856044" y="3082747"/>
               <a:ext cx="518586" cy="546618"/>
             </a:xfrm>
             <a:prstGeom prst="rect">
@@ -3959,7 +3817,7 @@
           </p:nvSpPr>
           <p:spPr>
             <a:xfrm>
-              <a:off x="653476" y="3904552"/>
+              <a:off x="-233937" y="3904552"/>
               <a:ext cx="1982966" cy="738664"/>
             </a:xfrm>
             <a:prstGeom prst="rect">
@@ -4008,7 +3866,7 @@
           </p:nvSpPr>
           <p:spPr>
             <a:xfrm>
-              <a:off x="2935103" y="4043051"/>
+              <a:off x="2498778" y="3851721"/>
               <a:ext cx="1982966" cy="461665"/>
             </a:xfrm>
             <a:prstGeom prst="rect">
@@ -4023,32 +3881,6 @@
             <a:lstStyle/>
             <a:p>
               <a:pPr algn="ctr"/>
-              <a:r>
-                <a:rPr lang="en-US" sz="2400" dirty="0">
-                  <a:solidFill>
-                    <a:schemeClr val="bg2">
-                      <a:lumMod val="50000"/>
-                    </a:schemeClr>
-                  </a:solidFill>
-                  <a:latin typeface="Roboto Black" panose="02000000000000000000" pitchFamily="2" charset="0"/>
-                  <a:ea typeface="Roboto Black" panose="02000000000000000000" pitchFamily="2" charset="0"/>
-                  <a:cs typeface="Roboto Black" panose="02000000000000000000" pitchFamily="2" charset="0"/>
-                </a:rPr>
-                <a:t>n</a:t>
-              </a:r>
-              <a:r>
-                <a:rPr lang="en-US" sz="2400" dirty="0" smtClean="0">
-                  <a:solidFill>
-                    <a:schemeClr val="bg2">
-                      <a:lumMod val="50000"/>
-                    </a:schemeClr>
-                  </a:solidFill>
-                  <a:latin typeface="Roboto Black" panose="02000000000000000000" pitchFamily="2" charset="0"/>
-                  <a:ea typeface="Roboto Black" panose="02000000000000000000" pitchFamily="2" charset="0"/>
-                  <a:cs typeface="Roboto Black" panose="02000000000000000000" pitchFamily="2" charset="0"/>
-                </a:rPr>
-                <a:t>g build</a:t>
-              </a:r>
               <a:endParaRPr lang="ru-RU" sz="2400" dirty="0">
                 <a:solidFill>
                   <a:schemeClr val="bg2">
@@ -4086,56 +3918,7 @@
             <a:p>
               <a:pPr algn="ctr"/>
               <a:r>
-                <a:rPr lang="en-US" sz="2400" dirty="0" err="1" smtClean="0">
-                  <a:solidFill>
-                    <a:schemeClr val="bg2">
-                      <a:lumMod val="50000"/>
-                    </a:schemeClr>
-                  </a:solidFill>
-                  <a:latin typeface="Roboto Black" panose="02000000000000000000" pitchFamily="2" charset="0"/>
-                  <a:ea typeface="Roboto Black" panose="02000000000000000000" pitchFamily="2" charset="0"/>
-                  <a:cs typeface="Roboto Black" panose="02000000000000000000" pitchFamily="2" charset="0"/>
-                </a:rPr>
-                <a:t>Webpack</a:t>
-              </a:r>
-              <a:endParaRPr lang="ru-RU" sz="2400" dirty="0">
-                <a:solidFill>
-                  <a:schemeClr val="bg2">
-                    <a:lumMod val="50000"/>
-                  </a:schemeClr>
-                </a:solidFill>
-                <a:latin typeface="Roboto Black" panose="02000000000000000000" pitchFamily="2" charset="0"/>
-                <a:ea typeface="Roboto Black" panose="02000000000000000000" pitchFamily="2" charset="0"/>
-                <a:cs typeface="Roboto Black" panose="02000000000000000000" pitchFamily="2" charset="0"/>
-              </a:endParaRPr>
-            </a:p>
-          </p:txBody>
-        </p:sp>
-        <p:sp>
-          <p:nvSpPr>
-            <p:cNvPr id="45" name="TextBox 44"/>
-            <p:cNvSpPr txBox="1"/>
-            <p:nvPr/>
-          </p:nvSpPr>
-          <p:spPr>
-            <a:xfrm>
-              <a:off x="7354703" y="4043050"/>
-              <a:ext cx="1982966" cy="461665"/>
-            </a:xfrm>
-            <a:prstGeom prst="rect">
-              <a:avLst/>
-            </a:prstGeom>
-            <a:noFill/>
-          </p:spPr>
-          <p:txBody>
-            <a:bodyPr wrap="square" rtlCol="0">
-              <a:spAutoFit/>
-            </a:bodyPr>
-            <a:lstStyle/>
-            <a:p>
-              <a:pPr algn="ctr"/>
-              <a:r>
-                <a:rPr lang="en-US" sz="2400" dirty="0" smtClean="0">
+                <a:rPr lang="en-US" sz="2400" dirty="0">
                   <a:solidFill>
                     <a:schemeClr val="bg2">
                       <a:lumMod val="50000"/>
@@ -4162,14 +3945,14 @@
         </p:sp>
         <p:sp>
           <p:nvSpPr>
-            <p:cNvPr id="46" name="TextBox 45"/>
+            <p:cNvPr id="45" name="TextBox 44"/>
             <p:cNvSpPr txBox="1"/>
             <p:nvPr/>
           </p:nvSpPr>
           <p:spPr>
             <a:xfrm>
-              <a:off x="9564503" y="3919939"/>
-              <a:ext cx="1839312" cy="830997"/>
+              <a:off x="7786357" y="3893993"/>
+              <a:ext cx="1982966" cy="1200329"/>
             </a:xfrm>
             <a:prstGeom prst="rect">
               <a:avLst/>
@@ -4194,8 +3977,34 @@
                   <a:ea typeface="Roboto Black" panose="02000000000000000000" pitchFamily="2" charset="0"/>
                   <a:cs typeface="Roboto Black" panose="02000000000000000000" pitchFamily="2" charset="0"/>
                 </a:rPr>
-                <a:t>Custom builder</a:t>
+                <a:t>Angular </a:t>
               </a:r>
+              <a:r>
+                <a:rPr lang="en-US" sz="2400" dirty="0">
+                  <a:solidFill>
+                    <a:schemeClr val="bg2">
+                      <a:lumMod val="50000"/>
+                    </a:schemeClr>
+                  </a:solidFill>
+                  <a:latin typeface="Roboto Black" panose="02000000000000000000" pitchFamily="2" charset="0"/>
+                  <a:ea typeface="Roboto Black" panose="02000000000000000000" pitchFamily="2" charset="0"/>
+                  <a:cs typeface="Roboto Black" panose="02000000000000000000" pitchFamily="2" charset="0"/>
+                </a:rPr>
+                <a:t>CLI builders</a:t>
+              </a:r>
+              <a:endParaRPr lang="ru-RU" sz="2400" dirty="0">
+                <a:solidFill>
+                  <a:schemeClr val="bg2">
+                    <a:lumMod val="50000"/>
+                  </a:schemeClr>
+                </a:solidFill>
+                <a:latin typeface="Roboto Black" panose="02000000000000000000" pitchFamily="2" charset="0"/>
+                <a:ea typeface="Roboto Black" panose="02000000000000000000" pitchFamily="2" charset="0"/>
+                <a:cs typeface="Roboto Black" panose="02000000000000000000" pitchFamily="2" charset="0"/>
+              </a:endParaRPr>
+            </a:p>
+            <a:p>
+              <a:pPr algn="ctr"/>
               <a:endParaRPr lang="ru-RU" sz="2400" dirty="0">
                 <a:solidFill>
                   <a:schemeClr val="bg2">
@@ -4218,8 +4027,8 @@
         </p:nvSpPr>
         <p:spPr>
           <a:xfrm>
-            <a:off x="677539" y="642553"/>
-            <a:ext cx="10750338" cy="769441"/>
+            <a:off x="0" y="642553"/>
+            <a:ext cx="12192000" cy="769441"/>
           </a:xfrm>
           <a:prstGeom prst="rect">
             <a:avLst/>
@@ -4249,6 +4058,54 @@
             <a:endParaRPr lang="ru-RU" sz="4400" b="1" dirty="0">
               <a:solidFill>
                 <a:schemeClr val="tx2">
+                  <a:lumMod val="50000"/>
+                </a:schemeClr>
+              </a:solidFill>
+              <a:latin typeface="Roboto Black" panose="02000000000000000000" pitchFamily="2" charset="0"/>
+              <a:ea typeface="Roboto Black" panose="02000000000000000000" pitchFamily="2" charset="0"/>
+              <a:cs typeface="Roboto Black" panose="02000000000000000000" pitchFamily="2" charset="0"/>
+            </a:endParaRPr>
+          </a:p>
+        </p:txBody>
+      </p:sp>
+      <p:sp>
+        <p:nvSpPr>
+          <p:cNvPr id="5" name="Прямоугольник 4"/>
+          <p:cNvSpPr/>
+          <p:nvPr/>
+        </p:nvSpPr>
+        <p:spPr>
+          <a:xfrm>
+            <a:off x="3947290" y="4408811"/>
+            <a:ext cx="1459054" cy="461665"/>
+          </a:xfrm>
+          <a:prstGeom prst="rect">
+            <a:avLst/>
+          </a:prstGeom>
+        </p:spPr>
+        <p:txBody>
+          <a:bodyPr wrap="none">
+            <a:spAutoFit/>
+          </a:bodyPr>
+          <a:lstStyle/>
+          <a:p>
+            <a:pPr algn="ctr"/>
+            <a:r>
+              <a:rPr lang="en-US" sz="2400" dirty="0" err="1" smtClean="0">
+                <a:solidFill>
+                  <a:schemeClr val="bg2">
+                    <a:lumMod val="50000"/>
+                  </a:schemeClr>
+                </a:solidFill>
+                <a:latin typeface="Roboto Black" panose="02000000000000000000" pitchFamily="2" charset="0"/>
+                <a:ea typeface="Roboto Black" panose="02000000000000000000" pitchFamily="2" charset="0"/>
+                <a:cs typeface="Roboto Black" panose="02000000000000000000" pitchFamily="2" charset="0"/>
+              </a:rPr>
+              <a:t>Webpack</a:t>
+            </a:r>
+            <a:endParaRPr lang="ru-RU" sz="2400" dirty="0">
+              <a:solidFill>
+                <a:schemeClr val="bg2">
                   <a:lumMod val="50000"/>
                 </a:schemeClr>
               </a:solidFill>
@@ -4821,6 +4678,2451 @@
 </p:sld>
 </file>
 
+<file path=ppt/slides/slide4.xml><?xml version="1.0" encoding="utf-8"?>
+<p:sld xmlns:a="http://schemas.openxmlformats.org/drawingml/2006/main" xmlns:r="http://schemas.openxmlformats.org/officeDocument/2006/relationships" xmlns:p="http://schemas.openxmlformats.org/presentationml/2006/main">
+  <p:cSld>
+    <p:bg>
+      <p:bgPr>
+        <a:solidFill>
+          <a:srgbClr val="FFFDDA"/>
+        </a:solidFill>
+        <a:effectLst/>
+      </p:bgPr>
+    </p:bg>
+    <p:spTree>
+      <p:nvGrpSpPr>
+        <p:cNvPr id="1" name=""/>
+        <p:cNvGrpSpPr/>
+        <p:nvPr/>
+      </p:nvGrpSpPr>
+      <p:grpSpPr>
+        <a:xfrm>
+          <a:off x="0" y="0"/>
+          <a:ext cx="0" cy="0"/>
+          <a:chOff x="0" y="0"/>
+          <a:chExt cx="0" cy="0"/>
+        </a:xfrm>
+      </p:grpSpPr>
+      <p:sp>
+        <p:nvSpPr>
+          <p:cNvPr id="24" name="AutoShape 4" descr="Examples of the logos"/>
+          <p:cNvSpPr>
+            <a:spLocks noChangeAspect="1" noChangeArrowheads="1"/>
+          </p:cNvSpPr>
+          <p:nvPr/>
+        </p:nvSpPr>
+        <p:spPr bwMode="auto">
+          <a:xfrm>
+            <a:off x="155575" y="-144463"/>
+            <a:ext cx="304800" cy="304801"/>
+          </a:xfrm>
+          <a:prstGeom prst="rect">
+            <a:avLst/>
+          </a:prstGeom>
+          <a:noFill/>
+          <a:extLst>
+            <a:ext uri="{909E8E84-426E-40DD-AFC4-6F175D3DCCD1}">
+              <a14:hiddenFill xmlns:a14="http://schemas.microsoft.com/office/drawing/2010/main">
+                <a:solidFill>
+                  <a:srgbClr val="FFFFFF"/>
+                </a:solidFill>
+              </a14:hiddenFill>
+            </a:ext>
+          </a:extLst>
+        </p:spPr>
+        <p:txBody>
+          <a:bodyPr vert="horz" wrap="square" lIns="91440" tIns="45720" rIns="91440" bIns="45720" numCol="1" anchor="t" anchorCtr="0" compatLnSpc="1">
+            <a:prstTxWarp prst="textNoShape">
+              <a:avLst/>
+            </a:prstTxWarp>
+          </a:bodyPr>
+          <a:lstStyle/>
+          <a:p>
+            <a:endParaRPr lang="ru-RU"/>
+          </a:p>
+        </p:txBody>
+      </p:sp>
+      <p:sp>
+        <p:nvSpPr>
+          <p:cNvPr id="8" name="TextBox 7"/>
+          <p:cNvSpPr txBox="1"/>
+          <p:nvPr/>
+        </p:nvSpPr>
+        <p:spPr>
+          <a:xfrm>
+            <a:off x="6878783" y="1295400"/>
+            <a:ext cx="4800600" cy="415498"/>
+          </a:xfrm>
+          <a:prstGeom prst="rect">
+            <a:avLst/>
+          </a:prstGeom>
+          <a:noFill/>
+        </p:spPr>
+        <p:txBody>
+          <a:bodyPr wrap="square" rtlCol="0">
+            <a:spAutoFit/>
+          </a:bodyPr>
+          <a:lstStyle/>
+          <a:p>
+            <a:pPr indent="-285750">
+              <a:buFont typeface="Arial" panose="020B0604020202020204" pitchFamily="34" charset="0"/>
+              <a:buChar char="•"/>
+            </a:pPr>
+            <a:r>
+              <a:rPr lang="ru-RU" sz="2100" dirty="0">
+                <a:solidFill>
+                  <a:schemeClr val="bg2">
+                    <a:lumMod val="25000"/>
+                  </a:schemeClr>
+                </a:solidFill>
+                <a:latin typeface="Roboto Black" panose="02000000000000000000" pitchFamily="2" charset="0"/>
+                <a:ea typeface="Roboto Black" panose="02000000000000000000" pitchFamily="2" charset="0"/>
+                <a:cs typeface="Roboto Black" panose="02000000000000000000" pitchFamily="2" charset="0"/>
+              </a:rPr>
+              <a:t>Много </a:t>
+            </a:r>
+            <a:r>
+              <a:rPr lang="en-US" sz="2100" dirty="0">
+                <a:solidFill>
+                  <a:schemeClr val="bg2">
+                    <a:lumMod val="25000"/>
+                  </a:schemeClr>
+                </a:solidFill>
+                <a:latin typeface="Roboto Black" panose="02000000000000000000" pitchFamily="2" charset="0"/>
+                <a:ea typeface="Roboto Black" panose="02000000000000000000" pitchFamily="2" charset="0"/>
+                <a:cs typeface="Roboto Black" panose="02000000000000000000" pitchFamily="2" charset="0"/>
+              </a:rPr>
+              <a:t>http </a:t>
+            </a:r>
+            <a:r>
+              <a:rPr lang="ru-RU" sz="2100" dirty="0" smtClean="0">
+                <a:solidFill>
+                  <a:schemeClr val="bg2">
+                    <a:lumMod val="25000"/>
+                  </a:schemeClr>
+                </a:solidFill>
+                <a:latin typeface="Roboto Black" panose="02000000000000000000" pitchFamily="2" charset="0"/>
+                <a:ea typeface="Roboto Black" panose="02000000000000000000" pitchFamily="2" charset="0"/>
+                <a:cs typeface="Roboto Black" panose="02000000000000000000" pitchFamily="2" charset="0"/>
+              </a:rPr>
+              <a:t>запросов</a:t>
+            </a:r>
+            <a:endParaRPr lang="ru-RU" sz="2100" dirty="0">
+              <a:solidFill>
+                <a:schemeClr val="bg2">
+                  <a:lumMod val="25000"/>
+                </a:schemeClr>
+              </a:solidFill>
+              <a:latin typeface="Roboto Black" panose="02000000000000000000" pitchFamily="2" charset="0"/>
+              <a:ea typeface="Roboto Black" panose="02000000000000000000" pitchFamily="2" charset="0"/>
+              <a:cs typeface="Roboto Black" panose="02000000000000000000" pitchFamily="2" charset="0"/>
+            </a:endParaRPr>
+          </a:p>
+        </p:txBody>
+      </p:sp>
+      <p:pic>
+        <p:nvPicPr>
+          <p:cNvPr id="14" name="Рисунок 13"/>
+          <p:cNvPicPr>
+            <a:picLocks noChangeAspect="1"/>
+          </p:cNvPicPr>
+          <p:nvPr/>
+        </p:nvPicPr>
+        <p:blipFill>
+          <a:blip r:embed="rId2"/>
+          <a:stretch>
+            <a:fillRect/>
+          </a:stretch>
+        </p:blipFill>
+        <p:spPr>
+          <a:xfrm>
+            <a:off x="865442" y="526473"/>
+            <a:ext cx="5704343" cy="5882603"/>
+          </a:xfrm>
+          <a:prstGeom prst="rect">
+            <a:avLst/>
+          </a:prstGeom>
+        </p:spPr>
+      </p:pic>
+      <p:sp>
+        <p:nvSpPr>
+          <p:cNvPr id="5" name="TextBox 4"/>
+          <p:cNvSpPr txBox="1"/>
+          <p:nvPr/>
+        </p:nvSpPr>
+        <p:spPr>
+          <a:xfrm>
+            <a:off x="6878783" y="1931582"/>
+            <a:ext cx="4800600" cy="738664"/>
+          </a:xfrm>
+          <a:prstGeom prst="rect">
+            <a:avLst/>
+          </a:prstGeom>
+          <a:noFill/>
+        </p:spPr>
+        <p:txBody>
+          <a:bodyPr wrap="square" rtlCol="0">
+            <a:spAutoFit/>
+          </a:bodyPr>
+          <a:lstStyle/>
+          <a:p>
+            <a:pPr indent="-285750">
+              <a:buFont typeface="Arial" panose="020B0604020202020204" pitchFamily="34" charset="0"/>
+              <a:buChar char="•"/>
+            </a:pPr>
+            <a:r>
+              <a:rPr lang="ru-RU" sz="2100" dirty="0" smtClean="0">
+                <a:solidFill>
+                  <a:schemeClr val="bg2">
+                    <a:lumMod val="25000"/>
+                  </a:schemeClr>
+                </a:solidFill>
+                <a:latin typeface="Roboto Black" panose="02000000000000000000" pitchFamily="2" charset="0"/>
+                <a:ea typeface="Roboto Black" panose="02000000000000000000" pitchFamily="2" charset="0"/>
+                <a:cs typeface="Roboto Black" panose="02000000000000000000" pitchFamily="2" charset="0"/>
+              </a:rPr>
+              <a:t>Нужно </a:t>
+            </a:r>
+            <a:r>
+              <a:rPr lang="ru-RU" sz="2100" dirty="0">
+                <a:solidFill>
+                  <a:schemeClr val="bg2">
+                    <a:lumMod val="25000"/>
+                  </a:schemeClr>
+                </a:solidFill>
+                <a:latin typeface="Roboto Black" panose="02000000000000000000" pitchFamily="2" charset="0"/>
+                <a:ea typeface="Roboto Black" panose="02000000000000000000" pitchFamily="2" charset="0"/>
+                <a:cs typeface="Roboto Black" panose="02000000000000000000" pitchFamily="2" charset="0"/>
+              </a:rPr>
+              <a:t>контролировать порядок </a:t>
+            </a:r>
+            <a:r>
+              <a:rPr lang="ru-RU" sz="2100" dirty="0" smtClean="0">
+                <a:solidFill>
+                  <a:schemeClr val="bg2">
+                    <a:lumMod val="25000"/>
+                  </a:schemeClr>
+                </a:solidFill>
+                <a:latin typeface="Roboto Black" panose="02000000000000000000" pitchFamily="2" charset="0"/>
+                <a:ea typeface="Roboto Black" panose="02000000000000000000" pitchFamily="2" charset="0"/>
+                <a:cs typeface="Roboto Black" panose="02000000000000000000" pitchFamily="2" charset="0"/>
+              </a:rPr>
+              <a:t>скриптов</a:t>
+            </a:r>
+            <a:endParaRPr lang="ru-RU" dirty="0">
+              <a:latin typeface="Roboto Black" panose="02000000000000000000" pitchFamily="2" charset="0"/>
+              <a:ea typeface="Roboto Black" panose="02000000000000000000" pitchFamily="2" charset="0"/>
+              <a:cs typeface="Roboto Black" panose="02000000000000000000" pitchFamily="2" charset="0"/>
+            </a:endParaRPr>
+          </a:p>
+        </p:txBody>
+      </p:sp>
+      <p:sp>
+        <p:nvSpPr>
+          <p:cNvPr id="6" name="TextBox 5"/>
+          <p:cNvSpPr txBox="1"/>
+          <p:nvPr/>
+        </p:nvSpPr>
+        <p:spPr>
+          <a:xfrm>
+            <a:off x="6878783" y="3419486"/>
+            <a:ext cx="4800600" cy="1015663"/>
+          </a:xfrm>
+          <a:prstGeom prst="rect">
+            <a:avLst/>
+          </a:prstGeom>
+          <a:noFill/>
+        </p:spPr>
+        <p:txBody>
+          <a:bodyPr wrap="square" rtlCol="0">
+            <a:spAutoFit/>
+          </a:bodyPr>
+          <a:lstStyle/>
+          <a:p>
+            <a:pPr indent="-285750">
+              <a:buFont typeface="Arial" panose="020B0604020202020204" pitchFamily="34" charset="0"/>
+              <a:buChar char="•"/>
+            </a:pPr>
+            <a:r>
+              <a:rPr lang="ru-RU" sz="2100" dirty="0" smtClean="0">
+                <a:solidFill>
+                  <a:schemeClr val="bg2">
+                    <a:lumMod val="25000"/>
+                  </a:schemeClr>
+                </a:solidFill>
+                <a:latin typeface="Roboto Black" panose="02000000000000000000" pitchFamily="2" charset="0"/>
+                <a:ea typeface="Roboto Black" panose="02000000000000000000" pitchFamily="2" charset="0"/>
+                <a:cs typeface="Roboto Black" panose="02000000000000000000" pitchFamily="2" charset="0"/>
+              </a:rPr>
+              <a:t>Статические </a:t>
+            </a:r>
+            <a:r>
+              <a:rPr lang="ru-RU" sz="2100" dirty="0">
+                <a:solidFill>
+                  <a:schemeClr val="bg2">
+                    <a:lumMod val="25000"/>
+                  </a:schemeClr>
+                </a:solidFill>
+                <a:latin typeface="Roboto Black" panose="02000000000000000000" pitchFamily="2" charset="0"/>
+                <a:ea typeface="Roboto Black" panose="02000000000000000000" pitchFamily="2" charset="0"/>
+                <a:cs typeface="Roboto Black" panose="02000000000000000000" pitchFamily="2" charset="0"/>
+              </a:rPr>
+              <a:t>файлы нужно переносить отдельно</a:t>
+            </a:r>
+          </a:p>
+          <a:p>
+            <a:pPr marL="285750" indent="-285750">
+              <a:buFont typeface="Arial" panose="020B0604020202020204" pitchFamily="34" charset="0"/>
+              <a:buChar char="•"/>
+            </a:pPr>
+            <a:endParaRPr lang="ru-RU" dirty="0">
+              <a:latin typeface="Roboto Black" panose="02000000000000000000" pitchFamily="2" charset="0"/>
+              <a:ea typeface="Roboto Black" panose="02000000000000000000" pitchFamily="2" charset="0"/>
+              <a:cs typeface="Roboto Black" panose="02000000000000000000" pitchFamily="2" charset="0"/>
+            </a:endParaRPr>
+          </a:p>
+        </p:txBody>
+      </p:sp>
+      <p:sp>
+        <p:nvSpPr>
+          <p:cNvPr id="9" name="TextBox 8"/>
+          <p:cNvSpPr txBox="1"/>
+          <p:nvPr/>
+        </p:nvSpPr>
+        <p:spPr>
+          <a:xfrm>
+            <a:off x="6878783" y="2868452"/>
+            <a:ext cx="4800600" cy="692497"/>
+          </a:xfrm>
+          <a:prstGeom prst="rect">
+            <a:avLst/>
+          </a:prstGeom>
+          <a:noFill/>
+        </p:spPr>
+        <p:txBody>
+          <a:bodyPr wrap="square" rtlCol="0">
+            <a:spAutoFit/>
+          </a:bodyPr>
+          <a:lstStyle/>
+          <a:p>
+            <a:pPr indent="-285750">
+              <a:buFont typeface="Arial" panose="020B0604020202020204" pitchFamily="34" charset="0"/>
+              <a:buChar char="•"/>
+            </a:pPr>
+            <a:r>
+              <a:rPr lang="ru-RU" sz="2100" dirty="0" smtClean="0">
+                <a:solidFill>
+                  <a:schemeClr val="bg2">
+                    <a:lumMod val="25000"/>
+                  </a:schemeClr>
+                </a:solidFill>
+                <a:latin typeface="Roboto Black" panose="02000000000000000000" pitchFamily="2" charset="0"/>
+                <a:ea typeface="Roboto Black" panose="02000000000000000000" pitchFamily="2" charset="0"/>
+                <a:cs typeface="Roboto Black" panose="02000000000000000000" pitchFamily="2" charset="0"/>
+              </a:rPr>
+              <a:t>Нет оптимизации</a:t>
+            </a:r>
+            <a:endParaRPr lang="ru-RU" sz="2100" dirty="0">
+              <a:solidFill>
+                <a:schemeClr val="bg2">
+                  <a:lumMod val="25000"/>
+                </a:schemeClr>
+              </a:solidFill>
+              <a:latin typeface="Roboto Black" panose="02000000000000000000" pitchFamily="2" charset="0"/>
+              <a:ea typeface="Roboto Black" panose="02000000000000000000" pitchFamily="2" charset="0"/>
+              <a:cs typeface="Roboto Black" panose="02000000000000000000" pitchFamily="2" charset="0"/>
+            </a:endParaRPr>
+          </a:p>
+          <a:p>
+            <a:pPr marL="285750" indent="-285750">
+              <a:buFont typeface="Arial" panose="020B0604020202020204" pitchFamily="34" charset="0"/>
+              <a:buChar char="•"/>
+            </a:pPr>
+            <a:endParaRPr lang="ru-RU" dirty="0">
+              <a:latin typeface="Roboto Black" panose="02000000000000000000" pitchFamily="2" charset="0"/>
+              <a:ea typeface="Roboto Black" panose="02000000000000000000" pitchFamily="2" charset="0"/>
+              <a:cs typeface="Roboto Black" panose="02000000000000000000" pitchFamily="2" charset="0"/>
+            </a:endParaRPr>
+          </a:p>
+        </p:txBody>
+      </p:sp>
+    </p:spTree>
+    <p:extLst>
+      <p:ext uri="{BB962C8B-B14F-4D97-AF65-F5344CB8AC3E}">
+        <p14:creationId xmlns:p14="http://schemas.microsoft.com/office/powerpoint/2010/main" val="1180684859"/>
+      </p:ext>
+    </p:extLst>
+  </p:cSld>
+  <p:clrMapOvr>
+    <a:masterClrMapping/>
+  </p:clrMapOvr>
+  <p:timing>
+    <p:tnLst>
+      <p:par>
+        <p:cTn id="1" dur="indefinite" restart="never" nodeType="tmRoot">
+          <p:childTnLst>
+            <p:seq concurrent="1" nextAc="seek">
+              <p:cTn id="2" dur="indefinite" nodeType="mainSeq">
+                <p:childTnLst>
+                  <p:par>
+                    <p:cTn id="3" fill="hold">
+                      <p:stCondLst>
+                        <p:cond delay="indefinite"/>
+                      </p:stCondLst>
+                      <p:childTnLst>
+                        <p:par>
+                          <p:cTn id="4" fill="hold">
+                            <p:stCondLst>
+                              <p:cond delay="0"/>
+                            </p:stCondLst>
+                            <p:childTnLst>
+                              <p:par>
+                                <p:cTn id="5" presetID="1" presetClass="entr" presetSubtype="0" fill="hold" grpId="0" nodeType="clickEffect">
+                                  <p:stCondLst>
+                                    <p:cond delay="0"/>
+                                  </p:stCondLst>
+                                  <p:childTnLst>
+                                    <p:set>
+                                      <p:cBhvr>
+                                        <p:cTn id="6" dur="1" fill="hold">
+                                          <p:stCondLst>
+                                            <p:cond delay="0"/>
+                                          </p:stCondLst>
+                                        </p:cTn>
+                                        <p:tgtEl>
+                                          <p:spTgt spid="8"/>
+                                        </p:tgtEl>
+                                        <p:attrNameLst>
+                                          <p:attrName>style.visibility</p:attrName>
+                                        </p:attrNameLst>
+                                      </p:cBhvr>
+                                      <p:to>
+                                        <p:strVal val="visible"/>
+                                      </p:to>
+                                    </p:set>
+                                  </p:childTnLst>
+                                </p:cTn>
+                              </p:par>
+                            </p:childTnLst>
+                          </p:cTn>
+                        </p:par>
+                      </p:childTnLst>
+                    </p:cTn>
+                  </p:par>
+                  <p:par>
+                    <p:cTn id="7" fill="hold">
+                      <p:stCondLst>
+                        <p:cond delay="indefinite"/>
+                      </p:stCondLst>
+                      <p:childTnLst>
+                        <p:par>
+                          <p:cTn id="8" fill="hold">
+                            <p:stCondLst>
+                              <p:cond delay="0"/>
+                            </p:stCondLst>
+                            <p:childTnLst>
+                              <p:par>
+                                <p:cTn id="9" presetID="1" presetClass="entr" presetSubtype="0" fill="hold" grpId="0" nodeType="clickEffect">
+                                  <p:stCondLst>
+                                    <p:cond delay="0"/>
+                                  </p:stCondLst>
+                                  <p:childTnLst>
+                                    <p:set>
+                                      <p:cBhvr>
+                                        <p:cTn id="10" dur="1" fill="hold">
+                                          <p:stCondLst>
+                                            <p:cond delay="0"/>
+                                          </p:stCondLst>
+                                        </p:cTn>
+                                        <p:tgtEl>
+                                          <p:spTgt spid="5"/>
+                                        </p:tgtEl>
+                                        <p:attrNameLst>
+                                          <p:attrName>style.visibility</p:attrName>
+                                        </p:attrNameLst>
+                                      </p:cBhvr>
+                                      <p:to>
+                                        <p:strVal val="visible"/>
+                                      </p:to>
+                                    </p:set>
+                                  </p:childTnLst>
+                                </p:cTn>
+                              </p:par>
+                            </p:childTnLst>
+                          </p:cTn>
+                        </p:par>
+                      </p:childTnLst>
+                    </p:cTn>
+                  </p:par>
+                  <p:par>
+                    <p:cTn id="11" fill="hold">
+                      <p:stCondLst>
+                        <p:cond delay="indefinite"/>
+                      </p:stCondLst>
+                      <p:childTnLst>
+                        <p:par>
+                          <p:cTn id="12" fill="hold">
+                            <p:stCondLst>
+                              <p:cond delay="0"/>
+                            </p:stCondLst>
+                            <p:childTnLst>
+                              <p:par>
+                                <p:cTn id="13" presetID="1" presetClass="entr" presetSubtype="0" fill="hold" grpId="0" nodeType="clickEffect">
+                                  <p:stCondLst>
+                                    <p:cond delay="0"/>
+                                  </p:stCondLst>
+                                  <p:childTnLst>
+                                    <p:set>
+                                      <p:cBhvr>
+                                        <p:cTn id="14" dur="1" fill="hold">
+                                          <p:stCondLst>
+                                            <p:cond delay="0"/>
+                                          </p:stCondLst>
+                                        </p:cTn>
+                                        <p:tgtEl>
+                                          <p:spTgt spid="9"/>
+                                        </p:tgtEl>
+                                        <p:attrNameLst>
+                                          <p:attrName>style.visibility</p:attrName>
+                                        </p:attrNameLst>
+                                      </p:cBhvr>
+                                      <p:to>
+                                        <p:strVal val="visible"/>
+                                      </p:to>
+                                    </p:set>
+                                  </p:childTnLst>
+                                </p:cTn>
+                              </p:par>
+                            </p:childTnLst>
+                          </p:cTn>
+                        </p:par>
+                      </p:childTnLst>
+                    </p:cTn>
+                  </p:par>
+                  <p:par>
+                    <p:cTn id="15" fill="hold">
+                      <p:stCondLst>
+                        <p:cond delay="indefinite"/>
+                      </p:stCondLst>
+                      <p:childTnLst>
+                        <p:par>
+                          <p:cTn id="16" fill="hold">
+                            <p:stCondLst>
+                              <p:cond delay="0"/>
+                            </p:stCondLst>
+                            <p:childTnLst>
+                              <p:par>
+                                <p:cTn id="17" presetID="1" presetClass="entr" presetSubtype="0" fill="hold" grpId="0" nodeType="clickEffect">
+                                  <p:stCondLst>
+                                    <p:cond delay="0"/>
+                                  </p:stCondLst>
+                                  <p:childTnLst>
+                                    <p:set>
+                                      <p:cBhvr>
+                                        <p:cTn id="18" dur="1" fill="hold">
+                                          <p:stCondLst>
+                                            <p:cond delay="0"/>
+                                          </p:stCondLst>
+                                        </p:cTn>
+                                        <p:tgtEl>
+                                          <p:spTgt spid="6"/>
+                                        </p:tgtEl>
+                                        <p:attrNameLst>
+                                          <p:attrName>style.visibility</p:attrName>
+                                        </p:attrNameLst>
+                                      </p:cBhvr>
+                                      <p:to>
+                                        <p:strVal val="visible"/>
+                                      </p:to>
+                                    </p:set>
+                                  </p:childTnLst>
+                                </p:cTn>
+                              </p:par>
+                            </p:childTnLst>
+                          </p:cTn>
+                        </p:par>
+                      </p:childTnLst>
+                    </p:cTn>
+                  </p:par>
+                </p:childTnLst>
+              </p:cTn>
+              <p:prevCondLst>
+                <p:cond evt="onPrev" delay="0">
+                  <p:tgtEl>
+                    <p:sldTgt/>
+                  </p:tgtEl>
+                </p:cond>
+              </p:prevCondLst>
+              <p:nextCondLst>
+                <p:cond evt="onNext" delay="0">
+                  <p:tgtEl>
+                    <p:sldTgt/>
+                  </p:tgtEl>
+                </p:cond>
+              </p:nextCondLst>
+            </p:seq>
+          </p:childTnLst>
+        </p:cTn>
+      </p:par>
+    </p:tnLst>
+    <p:bldLst>
+      <p:bldP spid="8" grpId="0"/>
+      <p:bldP spid="5" grpId="0"/>
+      <p:bldP spid="6" grpId="0"/>
+      <p:bldP spid="9" grpId="0"/>
+    </p:bldLst>
+  </p:timing>
+</p:sld>
+</file>
+
+<file path=ppt/slides/slide5.xml><?xml version="1.0" encoding="utf-8"?>
+<p:sld xmlns:a="http://schemas.openxmlformats.org/drawingml/2006/main" xmlns:r="http://schemas.openxmlformats.org/officeDocument/2006/relationships" xmlns:p="http://schemas.openxmlformats.org/presentationml/2006/main">
+  <p:cSld>
+    <p:bg>
+      <p:bgPr>
+        <a:solidFill>
+          <a:srgbClr val="FFFDDA"/>
+        </a:solidFill>
+        <a:effectLst/>
+      </p:bgPr>
+    </p:bg>
+    <p:spTree>
+      <p:nvGrpSpPr>
+        <p:cNvPr id="1" name=""/>
+        <p:cNvGrpSpPr/>
+        <p:nvPr/>
+      </p:nvGrpSpPr>
+      <p:grpSpPr>
+        <a:xfrm>
+          <a:off x="0" y="0"/>
+          <a:ext cx="0" cy="0"/>
+          <a:chOff x="0" y="0"/>
+          <a:chExt cx="0" cy="0"/>
+        </a:xfrm>
+      </p:grpSpPr>
+      <p:sp>
+        <p:nvSpPr>
+          <p:cNvPr id="24" name="AutoShape 4" descr="Examples of the logos"/>
+          <p:cNvSpPr>
+            <a:spLocks noChangeAspect="1" noChangeArrowheads="1"/>
+          </p:cNvSpPr>
+          <p:nvPr/>
+        </p:nvSpPr>
+        <p:spPr bwMode="auto">
+          <a:xfrm>
+            <a:off x="155575" y="-144463"/>
+            <a:ext cx="304800" cy="304801"/>
+          </a:xfrm>
+          <a:prstGeom prst="rect">
+            <a:avLst/>
+          </a:prstGeom>
+          <a:noFill/>
+          <a:extLst>
+            <a:ext uri="{909E8E84-426E-40DD-AFC4-6F175D3DCCD1}">
+              <a14:hiddenFill xmlns:a14="http://schemas.microsoft.com/office/drawing/2010/main">
+                <a:solidFill>
+                  <a:srgbClr val="FFFFFF"/>
+                </a:solidFill>
+              </a14:hiddenFill>
+            </a:ext>
+          </a:extLst>
+        </p:spPr>
+        <p:txBody>
+          <a:bodyPr vert="horz" wrap="square" lIns="91440" tIns="45720" rIns="91440" bIns="45720" numCol="1" anchor="t" anchorCtr="0" compatLnSpc="1">
+            <a:prstTxWarp prst="textNoShape">
+              <a:avLst/>
+            </a:prstTxWarp>
+          </a:bodyPr>
+          <a:lstStyle/>
+          <a:p>
+            <a:endParaRPr lang="ru-RU"/>
+          </a:p>
+        </p:txBody>
+      </p:sp>
+      <p:sp>
+        <p:nvSpPr>
+          <p:cNvPr id="8" name="TextBox 7"/>
+          <p:cNvSpPr txBox="1"/>
+          <p:nvPr/>
+        </p:nvSpPr>
+        <p:spPr>
+          <a:xfrm>
+            <a:off x="2743200" y="361228"/>
+            <a:ext cx="8132618" cy="769441"/>
+          </a:xfrm>
+          <a:prstGeom prst="rect">
+            <a:avLst/>
+          </a:prstGeom>
+          <a:noFill/>
+        </p:spPr>
+        <p:txBody>
+          <a:bodyPr wrap="square" rtlCol="0">
+            <a:spAutoFit/>
+          </a:bodyPr>
+          <a:lstStyle/>
+          <a:p>
+            <a:r>
+              <a:rPr lang="ru-RU" sz="4400" dirty="0" smtClean="0">
+                <a:latin typeface="Roboto Black" panose="02000000000000000000" pitchFamily="2" charset="0"/>
+                <a:ea typeface="Roboto Black" panose="02000000000000000000" pitchFamily="2" charset="0"/>
+                <a:cs typeface="Roboto Black" panose="02000000000000000000" pitchFamily="2" charset="0"/>
+              </a:rPr>
+              <a:t>Современные </a:t>
+            </a:r>
+            <a:r>
+              <a:rPr lang="ru-RU" sz="4400" dirty="0" err="1" smtClean="0">
+                <a:latin typeface="Roboto Black" panose="02000000000000000000" pitchFamily="2" charset="0"/>
+                <a:ea typeface="Roboto Black" panose="02000000000000000000" pitchFamily="2" charset="0"/>
+                <a:cs typeface="Roboto Black" panose="02000000000000000000" pitchFamily="2" charset="0"/>
+              </a:rPr>
+              <a:t>бандлеры</a:t>
+            </a:r>
+            <a:endParaRPr lang="ru-RU" sz="4400" dirty="0">
+              <a:latin typeface="Roboto Black" panose="02000000000000000000" pitchFamily="2" charset="0"/>
+              <a:ea typeface="Roboto Black" panose="02000000000000000000" pitchFamily="2" charset="0"/>
+              <a:cs typeface="Roboto Black" panose="02000000000000000000" pitchFamily="2" charset="0"/>
+            </a:endParaRPr>
+          </a:p>
+        </p:txBody>
+      </p:sp>
+      <p:pic>
+        <p:nvPicPr>
+          <p:cNvPr id="1026" name="Picture 2" descr="icon example"/>
+          <p:cNvPicPr>
+            <a:picLocks noChangeAspect="1" noChangeArrowheads="1"/>
+          </p:cNvPicPr>
+          <p:nvPr/>
+        </p:nvPicPr>
+        <p:blipFill>
+          <a:blip r:embed="rId2" cstate="print">
+            <a:extLst>
+              <a:ext uri="{28A0092B-C50C-407E-A947-70E740481C1C}">
+                <a14:useLocalDpi xmlns:a14="http://schemas.microsoft.com/office/drawing/2010/main" val="0"/>
+              </a:ext>
+            </a:extLst>
+          </a:blip>
+          <a:srcRect/>
+          <a:stretch>
+            <a:fillRect/>
+          </a:stretch>
+        </p:blipFill>
+        <p:spPr bwMode="auto">
+          <a:xfrm>
+            <a:off x="650875" y="1524000"/>
+            <a:ext cx="1711325" cy="1936500"/>
+          </a:xfrm>
+          <a:prstGeom prst="rect">
+            <a:avLst/>
+          </a:prstGeom>
+          <a:noFill/>
+          <a:extLst>
+            <a:ext uri="{909E8E84-426E-40DD-AFC4-6F175D3DCCD1}">
+              <a14:hiddenFill xmlns:a14="http://schemas.microsoft.com/office/drawing/2010/main">
+                <a:solidFill>
+                  <a:srgbClr val="FFFFFF"/>
+                </a:solidFill>
+              </a14:hiddenFill>
+            </a:ext>
+          </a:extLst>
+        </p:spPr>
+      </p:pic>
+      <p:sp>
+        <p:nvSpPr>
+          <p:cNvPr id="2" name="TextBox 1"/>
+          <p:cNvSpPr txBox="1"/>
+          <p:nvPr/>
+        </p:nvSpPr>
+        <p:spPr>
+          <a:xfrm>
+            <a:off x="839787" y="3461193"/>
+            <a:ext cx="1333500" cy="415498"/>
+          </a:xfrm>
+          <a:prstGeom prst="rect">
+            <a:avLst/>
+          </a:prstGeom>
+          <a:noFill/>
+        </p:spPr>
+        <p:txBody>
+          <a:bodyPr wrap="square" rtlCol="0">
+            <a:spAutoFit/>
+          </a:bodyPr>
+          <a:lstStyle/>
+          <a:p>
+            <a:r>
+              <a:rPr lang="en-US" sz="2100" dirty="0" err="1">
+                <a:solidFill>
+                  <a:schemeClr val="bg2">
+                    <a:lumMod val="50000"/>
+                  </a:schemeClr>
+                </a:solidFill>
+                <a:latin typeface="Roboto Black" panose="02000000000000000000" pitchFamily="2" charset="0"/>
+                <a:ea typeface="Roboto Black" panose="02000000000000000000" pitchFamily="2" charset="0"/>
+                <a:cs typeface="Roboto Black" panose="02000000000000000000" pitchFamily="2" charset="0"/>
+              </a:rPr>
+              <a:t>Webpack</a:t>
+            </a:r>
+            <a:endParaRPr lang="ru-RU" sz="2100" dirty="0">
+              <a:solidFill>
+                <a:schemeClr val="bg2">
+                  <a:lumMod val="50000"/>
+                </a:schemeClr>
+              </a:solidFill>
+              <a:latin typeface="Roboto Black" panose="02000000000000000000" pitchFamily="2" charset="0"/>
+              <a:ea typeface="Roboto Black" panose="02000000000000000000" pitchFamily="2" charset="0"/>
+              <a:cs typeface="Roboto Black" panose="02000000000000000000" pitchFamily="2" charset="0"/>
+            </a:endParaRPr>
+          </a:p>
+        </p:txBody>
+      </p:sp>
+      <p:pic>
+        <p:nvPicPr>
+          <p:cNvPr id="6" name="Рисунок 5"/>
+          <p:cNvPicPr>
+            <a:picLocks noChangeAspect="1"/>
+          </p:cNvPicPr>
+          <p:nvPr/>
+        </p:nvPicPr>
+        <p:blipFill>
+          <a:blip r:embed="rId3" cstate="print">
+            <a:extLst>
+              <a:ext uri="{28A0092B-C50C-407E-A947-70E740481C1C}">
+                <a14:useLocalDpi xmlns:a14="http://schemas.microsoft.com/office/drawing/2010/main" val="0"/>
+              </a:ext>
+            </a:extLst>
+          </a:blip>
+          <a:stretch>
+            <a:fillRect/>
+          </a:stretch>
+        </p:blipFill>
+        <p:spPr>
+          <a:xfrm>
+            <a:off x="3249701" y="1524000"/>
+            <a:ext cx="1936500" cy="1936500"/>
+          </a:xfrm>
+          <a:prstGeom prst="rect">
+            <a:avLst/>
+          </a:prstGeom>
+        </p:spPr>
+      </p:pic>
+      <p:sp>
+        <p:nvSpPr>
+          <p:cNvPr id="11" name="TextBox 10"/>
+          <p:cNvSpPr txBox="1"/>
+          <p:nvPr/>
+        </p:nvSpPr>
+        <p:spPr>
+          <a:xfrm>
+            <a:off x="3771670" y="3460500"/>
+            <a:ext cx="1051560" cy="415498"/>
+          </a:xfrm>
+          <a:prstGeom prst="rect">
+            <a:avLst/>
+          </a:prstGeom>
+          <a:noFill/>
+        </p:spPr>
+        <p:txBody>
+          <a:bodyPr wrap="square" rtlCol="0">
+            <a:spAutoFit/>
+          </a:bodyPr>
+          <a:lstStyle/>
+          <a:p>
+            <a:r>
+              <a:rPr lang="en-US" sz="2100" dirty="0" smtClean="0">
+                <a:solidFill>
+                  <a:schemeClr val="bg2">
+                    <a:lumMod val="50000"/>
+                  </a:schemeClr>
+                </a:solidFill>
+                <a:latin typeface="Roboto Black" panose="02000000000000000000" pitchFamily="2" charset="0"/>
+                <a:ea typeface="Roboto Black" panose="02000000000000000000" pitchFamily="2" charset="0"/>
+                <a:cs typeface="Roboto Black" panose="02000000000000000000" pitchFamily="2" charset="0"/>
+              </a:rPr>
+              <a:t>Rollup</a:t>
+            </a:r>
+          </a:p>
+        </p:txBody>
+      </p:sp>
+      <p:pic>
+        <p:nvPicPr>
+          <p:cNvPr id="7" name="Рисунок 6"/>
+          <p:cNvPicPr>
+            <a:picLocks noChangeAspect="1"/>
+          </p:cNvPicPr>
+          <p:nvPr/>
+        </p:nvPicPr>
+        <p:blipFill>
+          <a:blip r:embed="rId4"/>
+          <a:stretch>
+            <a:fillRect/>
+          </a:stretch>
+        </p:blipFill>
+        <p:spPr>
+          <a:xfrm>
+            <a:off x="6092190" y="1524000"/>
+            <a:ext cx="1936500" cy="1936500"/>
+          </a:xfrm>
+          <a:prstGeom prst="rect">
+            <a:avLst/>
+          </a:prstGeom>
+        </p:spPr>
+      </p:pic>
+      <p:sp>
+        <p:nvSpPr>
+          <p:cNvPr id="13" name="TextBox 12"/>
+          <p:cNvSpPr txBox="1"/>
+          <p:nvPr/>
+        </p:nvSpPr>
+        <p:spPr>
+          <a:xfrm>
+            <a:off x="6565140" y="3460500"/>
+            <a:ext cx="990600" cy="415498"/>
+          </a:xfrm>
+          <a:prstGeom prst="rect">
+            <a:avLst/>
+          </a:prstGeom>
+          <a:noFill/>
+        </p:spPr>
+        <p:txBody>
+          <a:bodyPr wrap="square" rtlCol="0">
+            <a:spAutoFit/>
+          </a:bodyPr>
+          <a:lstStyle/>
+          <a:p>
+            <a:r>
+              <a:rPr lang="en-US" sz="2100" dirty="0" smtClean="0">
+                <a:solidFill>
+                  <a:schemeClr val="bg2">
+                    <a:lumMod val="50000"/>
+                  </a:schemeClr>
+                </a:solidFill>
+                <a:latin typeface="Roboto Black" panose="02000000000000000000" pitchFamily="2" charset="0"/>
+                <a:ea typeface="Roboto Black" panose="02000000000000000000" pitchFamily="2" charset="0"/>
+                <a:cs typeface="Roboto Black" panose="02000000000000000000" pitchFamily="2" charset="0"/>
+              </a:rPr>
+              <a:t>Vite.js</a:t>
+            </a:r>
+          </a:p>
+        </p:txBody>
+      </p:sp>
+      <p:pic>
+        <p:nvPicPr>
+          <p:cNvPr id="1032" name="Picture 8" descr="Parcel"/>
+          <p:cNvPicPr>
+            <a:picLocks noChangeAspect="1" noChangeArrowheads="1"/>
+          </p:cNvPicPr>
+          <p:nvPr/>
+        </p:nvPicPr>
+        <p:blipFill rotWithShape="1">
+          <a:blip r:embed="rId5" cstate="print">
+            <a:extLst>
+              <a:ext uri="{28A0092B-C50C-407E-A947-70E740481C1C}">
+                <a14:useLocalDpi xmlns:a14="http://schemas.microsoft.com/office/drawing/2010/main" val="0"/>
+              </a:ext>
+            </a:extLst>
+          </a:blip>
+          <a:srcRect r="53188"/>
+          <a:stretch/>
+        </p:blipFill>
+        <p:spPr bwMode="auto">
+          <a:xfrm>
+            <a:off x="8934679" y="1524000"/>
+            <a:ext cx="2621175" cy="1936500"/>
+          </a:xfrm>
+          <a:prstGeom prst="rect">
+            <a:avLst/>
+          </a:prstGeom>
+          <a:noFill/>
+          <a:extLst>
+            <a:ext uri="{909E8E84-426E-40DD-AFC4-6F175D3DCCD1}">
+              <a14:hiddenFill xmlns:a14="http://schemas.microsoft.com/office/drawing/2010/main">
+                <a:solidFill>
+                  <a:srgbClr val="FFFFFF"/>
+                </a:solidFill>
+              </a14:hiddenFill>
+            </a:ext>
+          </a:extLst>
+        </p:spPr>
+      </p:pic>
+      <p:sp>
+        <p:nvSpPr>
+          <p:cNvPr id="15" name="TextBox 14"/>
+          <p:cNvSpPr txBox="1"/>
+          <p:nvPr/>
+        </p:nvSpPr>
+        <p:spPr>
+          <a:xfrm>
+            <a:off x="9749966" y="3460500"/>
+            <a:ext cx="990600" cy="415498"/>
+          </a:xfrm>
+          <a:prstGeom prst="rect">
+            <a:avLst/>
+          </a:prstGeom>
+          <a:noFill/>
+        </p:spPr>
+        <p:txBody>
+          <a:bodyPr wrap="square" rtlCol="0">
+            <a:spAutoFit/>
+          </a:bodyPr>
+          <a:lstStyle/>
+          <a:p>
+            <a:r>
+              <a:rPr lang="en-US" sz="2100" dirty="0" smtClean="0">
+                <a:solidFill>
+                  <a:schemeClr val="bg2">
+                    <a:lumMod val="50000"/>
+                  </a:schemeClr>
+                </a:solidFill>
+                <a:latin typeface="Roboto Black" panose="02000000000000000000" pitchFamily="2" charset="0"/>
+                <a:ea typeface="Roboto Black" panose="02000000000000000000" pitchFamily="2" charset="0"/>
+                <a:cs typeface="Roboto Black" panose="02000000000000000000" pitchFamily="2" charset="0"/>
+              </a:rPr>
+              <a:t>Parcel</a:t>
+            </a:r>
+          </a:p>
+        </p:txBody>
+      </p:sp>
+      <p:sp>
+        <p:nvSpPr>
+          <p:cNvPr id="17" name="TextBox 16"/>
+          <p:cNvSpPr txBox="1"/>
+          <p:nvPr/>
+        </p:nvSpPr>
+        <p:spPr>
+          <a:xfrm>
+            <a:off x="6497652" y="6260897"/>
+            <a:ext cx="1125575" cy="415498"/>
+          </a:xfrm>
+          <a:prstGeom prst="rect">
+            <a:avLst/>
+          </a:prstGeom>
+          <a:noFill/>
+        </p:spPr>
+        <p:txBody>
+          <a:bodyPr wrap="square" rtlCol="0">
+            <a:spAutoFit/>
+          </a:bodyPr>
+          <a:lstStyle/>
+          <a:p>
+            <a:r>
+              <a:rPr lang="en-US" sz="2100" dirty="0" err="1" smtClean="0">
+                <a:solidFill>
+                  <a:schemeClr val="bg2">
+                    <a:lumMod val="50000"/>
+                  </a:schemeClr>
+                </a:solidFill>
+                <a:latin typeface="Roboto Black" panose="02000000000000000000" pitchFamily="2" charset="0"/>
+                <a:ea typeface="Roboto Black" panose="02000000000000000000" pitchFamily="2" charset="0"/>
+                <a:cs typeface="Roboto Black" panose="02000000000000000000" pitchFamily="2" charset="0"/>
+              </a:rPr>
+              <a:t>ESbuild</a:t>
+            </a:r>
+            <a:endParaRPr lang="en-US" sz="2100" dirty="0" smtClean="0">
+              <a:solidFill>
+                <a:schemeClr val="bg2">
+                  <a:lumMod val="50000"/>
+                </a:schemeClr>
+              </a:solidFill>
+              <a:latin typeface="Roboto Black" panose="02000000000000000000" pitchFamily="2" charset="0"/>
+              <a:ea typeface="Roboto Black" panose="02000000000000000000" pitchFamily="2" charset="0"/>
+              <a:cs typeface="Roboto Black" panose="02000000000000000000" pitchFamily="2" charset="0"/>
+            </a:endParaRPr>
+          </a:p>
+        </p:txBody>
+      </p:sp>
+      <p:pic>
+        <p:nvPicPr>
+          <p:cNvPr id="9" name="Рисунок 8"/>
+          <p:cNvPicPr>
+            <a:picLocks noChangeAspect="1"/>
+          </p:cNvPicPr>
+          <p:nvPr/>
+        </p:nvPicPr>
+        <p:blipFill>
+          <a:blip r:embed="rId6">
+            <a:extLst>
+              <a:ext uri="{28A0092B-C50C-407E-A947-70E740481C1C}">
+                <a14:useLocalDpi xmlns:a14="http://schemas.microsoft.com/office/drawing/2010/main" val="0"/>
+              </a:ext>
+            </a:extLst>
+          </a:blip>
+          <a:stretch>
+            <a:fillRect/>
+          </a:stretch>
+        </p:blipFill>
+        <p:spPr>
+          <a:xfrm>
+            <a:off x="250333" y="4213453"/>
+            <a:ext cx="2492867" cy="1936500"/>
+          </a:xfrm>
+          <a:prstGeom prst="rect">
+            <a:avLst/>
+          </a:prstGeom>
+        </p:spPr>
+      </p:pic>
+      <p:sp>
+        <p:nvSpPr>
+          <p:cNvPr id="20" name="TextBox 19"/>
+          <p:cNvSpPr txBox="1"/>
+          <p:nvPr/>
+        </p:nvSpPr>
+        <p:spPr>
+          <a:xfrm>
+            <a:off x="914345" y="6260897"/>
+            <a:ext cx="1164841" cy="415498"/>
+          </a:xfrm>
+          <a:prstGeom prst="rect">
+            <a:avLst/>
+          </a:prstGeom>
+          <a:noFill/>
+        </p:spPr>
+        <p:txBody>
+          <a:bodyPr wrap="square" rtlCol="0">
+            <a:spAutoFit/>
+          </a:bodyPr>
+          <a:lstStyle/>
+          <a:p>
+            <a:r>
+              <a:rPr lang="en-US" sz="2100" dirty="0" err="1" smtClean="0">
+                <a:solidFill>
+                  <a:schemeClr val="bg2">
+                    <a:lumMod val="50000"/>
+                  </a:schemeClr>
+                </a:solidFill>
+                <a:latin typeface="Roboto Black" panose="02000000000000000000" pitchFamily="2" charset="0"/>
+                <a:ea typeface="Roboto Black" panose="02000000000000000000" pitchFamily="2" charset="0"/>
+                <a:cs typeface="Roboto Black" panose="02000000000000000000" pitchFamily="2" charset="0"/>
+              </a:rPr>
+              <a:t>Rspack</a:t>
+            </a:r>
+            <a:endParaRPr lang="en-US" sz="2100" dirty="0" smtClean="0">
+              <a:solidFill>
+                <a:schemeClr val="bg2">
+                  <a:lumMod val="50000"/>
+                </a:schemeClr>
+              </a:solidFill>
+              <a:latin typeface="Roboto Black" panose="02000000000000000000" pitchFamily="2" charset="0"/>
+              <a:ea typeface="Roboto Black" panose="02000000000000000000" pitchFamily="2" charset="0"/>
+              <a:cs typeface="Roboto Black" panose="02000000000000000000" pitchFamily="2" charset="0"/>
+            </a:endParaRPr>
+          </a:p>
+        </p:txBody>
+      </p:sp>
+      <p:pic>
+        <p:nvPicPr>
+          <p:cNvPr id="3" name="Рисунок 2"/>
+          <p:cNvPicPr>
+            <a:picLocks noChangeAspect="1"/>
+          </p:cNvPicPr>
+          <p:nvPr/>
+        </p:nvPicPr>
+        <p:blipFill>
+          <a:blip r:embed="rId7" cstate="print">
+            <a:extLst>
+              <a:ext uri="{28A0092B-C50C-407E-A947-70E740481C1C}">
+                <a14:useLocalDpi xmlns:a14="http://schemas.microsoft.com/office/drawing/2010/main" val="0"/>
+              </a:ext>
+            </a:extLst>
+          </a:blip>
+          <a:stretch>
+            <a:fillRect/>
+          </a:stretch>
+        </p:blipFill>
+        <p:spPr>
+          <a:xfrm>
+            <a:off x="6092190" y="4201430"/>
+            <a:ext cx="1936500" cy="1936500"/>
+          </a:xfrm>
+          <a:prstGeom prst="rect">
+            <a:avLst/>
+          </a:prstGeom>
+        </p:spPr>
+      </p:pic>
+    </p:spTree>
+    <p:extLst>
+      <p:ext uri="{BB962C8B-B14F-4D97-AF65-F5344CB8AC3E}">
+        <p14:creationId xmlns:p14="http://schemas.microsoft.com/office/powerpoint/2010/main" val="376155157"/>
+      </p:ext>
+    </p:extLst>
+  </p:cSld>
+  <p:clrMapOvr>
+    <a:masterClrMapping/>
+  </p:clrMapOvr>
+  <p:timing>
+    <p:tnLst>
+      <p:par>
+        <p:cTn id="1" dur="indefinite" restart="never" nodeType="tmRoot"/>
+      </p:par>
+    </p:tnLst>
+  </p:timing>
+</p:sld>
+</file>
+
+<file path=ppt/slides/slide6.xml><?xml version="1.0" encoding="utf-8"?>
+<p:sld xmlns:a="http://schemas.openxmlformats.org/drawingml/2006/main" xmlns:r="http://schemas.openxmlformats.org/officeDocument/2006/relationships" xmlns:p="http://schemas.openxmlformats.org/presentationml/2006/main">
+  <p:cSld>
+    <p:bg>
+      <p:bgPr>
+        <a:solidFill>
+          <a:srgbClr val="FFFDDA"/>
+        </a:solidFill>
+        <a:effectLst/>
+      </p:bgPr>
+    </p:bg>
+    <p:spTree>
+      <p:nvGrpSpPr>
+        <p:cNvPr id="1" name=""/>
+        <p:cNvGrpSpPr/>
+        <p:nvPr/>
+      </p:nvGrpSpPr>
+      <p:grpSpPr>
+        <a:xfrm>
+          <a:off x="0" y="0"/>
+          <a:ext cx="0" cy="0"/>
+          <a:chOff x="0" y="0"/>
+          <a:chExt cx="0" cy="0"/>
+        </a:xfrm>
+      </p:grpSpPr>
+      <p:sp>
+        <p:nvSpPr>
+          <p:cNvPr id="24" name="AutoShape 4" descr="Examples of the logos"/>
+          <p:cNvSpPr>
+            <a:spLocks noChangeAspect="1" noChangeArrowheads="1"/>
+          </p:cNvSpPr>
+          <p:nvPr/>
+        </p:nvSpPr>
+        <p:spPr bwMode="auto">
+          <a:xfrm>
+            <a:off x="155575" y="-144463"/>
+            <a:ext cx="304800" cy="304801"/>
+          </a:xfrm>
+          <a:prstGeom prst="rect">
+            <a:avLst/>
+          </a:prstGeom>
+          <a:noFill/>
+          <a:extLst>
+            <a:ext uri="{909E8E84-426E-40DD-AFC4-6F175D3DCCD1}">
+              <a14:hiddenFill xmlns:a14="http://schemas.microsoft.com/office/drawing/2010/main">
+                <a:solidFill>
+                  <a:srgbClr val="FFFFFF"/>
+                </a:solidFill>
+              </a14:hiddenFill>
+            </a:ext>
+          </a:extLst>
+        </p:spPr>
+        <p:txBody>
+          <a:bodyPr vert="horz" wrap="square" lIns="91440" tIns="45720" rIns="91440" bIns="45720" numCol="1" anchor="t" anchorCtr="0" compatLnSpc="1">
+            <a:prstTxWarp prst="textNoShape">
+              <a:avLst/>
+            </a:prstTxWarp>
+          </a:bodyPr>
+          <a:lstStyle/>
+          <a:p>
+            <a:endParaRPr lang="ru-RU"/>
+          </a:p>
+        </p:txBody>
+      </p:sp>
+      <p:sp>
+        <p:nvSpPr>
+          <p:cNvPr id="8" name="TextBox 7"/>
+          <p:cNvSpPr txBox="1"/>
+          <p:nvPr/>
+        </p:nvSpPr>
+        <p:spPr>
+          <a:xfrm>
+            <a:off x="0" y="323128"/>
+            <a:ext cx="12192000" cy="769441"/>
+          </a:xfrm>
+          <a:prstGeom prst="rect">
+            <a:avLst/>
+          </a:prstGeom>
+          <a:noFill/>
+        </p:spPr>
+        <p:txBody>
+          <a:bodyPr wrap="square" rtlCol="0">
+            <a:spAutoFit/>
+          </a:bodyPr>
+          <a:lstStyle/>
+          <a:p>
+            <a:pPr algn="ctr"/>
+            <a:r>
+              <a:rPr lang="en-US" sz="4400" dirty="0" smtClean="0">
+                <a:latin typeface="Roboto Black" panose="02000000000000000000" pitchFamily="2" charset="0"/>
+                <a:ea typeface="Roboto Black" panose="02000000000000000000" pitchFamily="2" charset="0"/>
+                <a:cs typeface="Roboto Black" panose="02000000000000000000" pitchFamily="2" charset="0"/>
+              </a:rPr>
+              <a:t>Angular CLI builders</a:t>
+            </a:r>
+          </a:p>
+        </p:txBody>
+      </p:sp>
+      <p:pic>
+        <p:nvPicPr>
+          <p:cNvPr id="4" name="Рисунок 3"/>
+          <p:cNvPicPr>
+            <a:picLocks noChangeAspect="1"/>
+          </p:cNvPicPr>
+          <p:nvPr/>
+        </p:nvPicPr>
+        <p:blipFill rotWithShape="1">
+          <a:blip r:embed="rId2">
+            <a:extLst>
+              <a:ext uri="{28A0092B-C50C-407E-A947-70E740481C1C}">
+                <a14:useLocalDpi xmlns:a14="http://schemas.microsoft.com/office/drawing/2010/main" val="0"/>
+              </a:ext>
+            </a:extLst>
+          </a:blip>
+          <a:srcRect r="21544"/>
+          <a:stretch/>
+        </p:blipFill>
+        <p:spPr>
+          <a:xfrm>
+            <a:off x="597535" y="1255359"/>
+            <a:ext cx="5765165" cy="5111810"/>
+          </a:xfrm>
+          <a:prstGeom prst="rect">
+            <a:avLst/>
+          </a:prstGeom>
+        </p:spPr>
+      </p:pic>
+      <p:sp>
+        <p:nvSpPr>
+          <p:cNvPr id="5" name="TextBox 4"/>
+          <p:cNvSpPr txBox="1"/>
+          <p:nvPr/>
+        </p:nvSpPr>
+        <p:spPr>
+          <a:xfrm>
+            <a:off x="6758940" y="1592580"/>
+            <a:ext cx="3802380" cy="2308324"/>
+          </a:xfrm>
+          <a:prstGeom prst="rect">
+            <a:avLst/>
+          </a:prstGeom>
+          <a:noFill/>
+        </p:spPr>
+        <p:txBody>
+          <a:bodyPr wrap="square" rtlCol="0">
+            <a:spAutoFit/>
+          </a:bodyPr>
+          <a:lstStyle/>
+          <a:p>
+            <a:r>
+              <a:rPr lang="ru-RU" dirty="0" smtClean="0">
+                <a:latin typeface="Roboto" panose="02000000000000000000" pitchFamily="2" charset="0"/>
+                <a:ea typeface="Roboto" panose="02000000000000000000" pitchFamily="2" charset="0"/>
+                <a:cs typeface="Roboto" panose="02000000000000000000" pitchFamily="2" charset="0"/>
+              </a:rPr>
+              <a:t>Конфигурация для </a:t>
+            </a:r>
+            <a:r>
+              <a:rPr lang="ru-RU" dirty="0" err="1" smtClean="0">
+                <a:latin typeface="Roboto" panose="02000000000000000000" pitchFamily="2" charset="0"/>
+                <a:ea typeface="Roboto" panose="02000000000000000000" pitchFamily="2" charset="0"/>
+                <a:cs typeface="Roboto" panose="02000000000000000000" pitchFamily="2" charset="0"/>
+              </a:rPr>
+              <a:t>билдеров</a:t>
+            </a:r>
+            <a:r>
+              <a:rPr lang="ru-RU" dirty="0" smtClean="0">
+                <a:latin typeface="Roboto" panose="02000000000000000000" pitchFamily="2" charset="0"/>
+                <a:ea typeface="Roboto" panose="02000000000000000000" pitchFamily="2" charset="0"/>
+                <a:cs typeface="Roboto" panose="02000000000000000000" pitchFamily="2" charset="0"/>
+              </a:rPr>
+              <a:t> задается в файле </a:t>
+            </a:r>
+            <a:r>
+              <a:rPr lang="en-US" b="1" i="1" dirty="0" err="1" smtClean="0">
+                <a:latin typeface="Roboto" panose="02000000000000000000" pitchFamily="2" charset="0"/>
+                <a:ea typeface="Roboto" panose="02000000000000000000" pitchFamily="2" charset="0"/>
+                <a:cs typeface="Roboto" panose="02000000000000000000" pitchFamily="2" charset="0"/>
+              </a:rPr>
+              <a:t>angular.json</a:t>
+            </a:r>
+            <a:r>
+              <a:rPr lang="en-US" dirty="0" smtClean="0">
+                <a:latin typeface="Roboto" panose="02000000000000000000" pitchFamily="2" charset="0"/>
+                <a:ea typeface="Roboto" panose="02000000000000000000" pitchFamily="2" charset="0"/>
+                <a:cs typeface="Roboto" panose="02000000000000000000" pitchFamily="2" charset="0"/>
+              </a:rPr>
+              <a:t>. </a:t>
+            </a:r>
+            <a:r>
+              <a:rPr lang="ru-RU" dirty="0" smtClean="0">
+                <a:latin typeface="Roboto" panose="02000000000000000000" pitchFamily="2" charset="0"/>
+                <a:ea typeface="Roboto" panose="02000000000000000000" pitchFamily="2" charset="0"/>
+                <a:cs typeface="Roboto" panose="02000000000000000000" pitchFamily="2" charset="0"/>
+              </a:rPr>
+              <a:t>Секция </a:t>
+            </a:r>
+            <a:r>
+              <a:rPr lang="en-US" b="1" i="1" dirty="0" smtClean="0">
+                <a:latin typeface="Roboto" panose="02000000000000000000" pitchFamily="2" charset="0"/>
+                <a:ea typeface="Roboto" panose="02000000000000000000" pitchFamily="2" charset="0"/>
+                <a:cs typeface="Roboto" panose="02000000000000000000" pitchFamily="2" charset="0"/>
+              </a:rPr>
+              <a:t>architect</a:t>
+            </a:r>
+            <a:r>
+              <a:rPr lang="en-US" dirty="0" smtClean="0">
+                <a:latin typeface="Roboto" panose="02000000000000000000" pitchFamily="2" charset="0"/>
+                <a:ea typeface="Roboto" panose="02000000000000000000" pitchFamily="2" charset="0"/>
+                <a:cs typeface="Roboto" panose="02000000000000000000" pitchFamily="2" charset="0"/>
+              </a:rPr>
+              <a:t>.</a:t>
+            </a:r>
+          </a:p>
+          <a:p>
+            <a:endParaRPr lang="en-US" dirty="0">
+              <a:latin typeface="Roboto Black" panose="02000000000000000000" pitchFamily="2" charset="0"/>
+              <a:ea typeface="Roboto Black" panose="02000000000000000000" pitchFamily="2" charset="0"/>
+              <a:cs typeface="Roboto Black" panose="02000000000000000000" pitchFamily="2" charset="0"/>
+            </a:endParaRPr>
+          </a:p>
+          <a:p>
+            <a:endParaRPr lang="en-US" dirty="0" smtClean="0">
+              <a:latin typeface="Roboto Black" panose="02000000000000000000" pitchFamily="2" charset="0"/>
+              <a:ea typeface="Roboto Black" panose="02000000000000000000" pitchFamily="2" charset="0"/>
+              <a:cs typeface="Roboto Black" panose="02000000000000000000" pitchFamily="2" charset="0"/>
+            </a:endParaRPr>
+          </a:p>
+          <a:p>
+            <a:r>
+              <a:rPr lang="en-US" dirty="0" smtClean="0">
+                <a:latin typeface="Roboto Black" panose="02000000000000000000" pitchFamily="2" charset="0"/>
+                <a:ea typeface="Roboto Black" panose="02000000000000000000" pitchFamily="2" charset="0"/>
+                <a:cs typeface="Roboto Black" panose="02000000000000000000" pitchFamily="2" charset="0"/>
+              </a:rPr>
+              <a:t>Angular CLI builder – </a:t>
+            </a:r>
+            <a:r>
+              <a:rPr lang="en-US" dirty="0" err="1" smtClean="0">
+                <a:latin typeface="Roboto" panose="02000000000000000000" pitchFamily="2" charset="0"/>
+                <a:ea typeface="Roboto" panose="02000000000000000000" pitchFamily="2" charset="0"/>
+                <a:cs typeface="Roboto" panose="02000000000000000000" pitchFamily="2" charset="0"/>
+              </a:rPr>
+              <a:t>npm</a:t>
+            </a:r>
+            <a:r>
+              <a:rPr lang="en-US" dirty="0" smtClean="0">
+                <a:latin typeface="Roboto" panose="02000000000000000000" pitchFamily="2" charset="0"/>
+                <a:ea typeface="Roboto" panose="02000000000000000000" pitchFamily="2" charset="0"/>
+                <a:cs typeface="Roboto" panose="02000000000000000000" pitchFamily="2" charset="0"/>
+              </a:rPr>
+              <a:t>-</a:t>
+            </a:r>
+            <a:r>
+              <a:rPr lang="ru-RU" dirty="0" smtClean="0">
+                <a:latin typeface="Roboto" panose="02000000000000000000" pitchFamily="2" charset="0"/>
+                <a:ea typeface="Roboto" panose="02000000000000000000" pitchFamily="2" charset="0"/>
+                <a:cs typeface="Roboto" panose="02000000000000000000" pitchFamily="2" charset="0"/>
+              </a:rPr>
+              <a:t>пакет, реализующий структуру, описанную в сущности </a:t>
+            </a:r>
+            <a:r>
+              <a:rPr lang="en-US" b="1" i="1" dirty="0" smtClean="0">
+                <a:latin typeface="Roboto" panose="02000000000000000000" pitchFamily="2" charset="0"/>
+                <a:ea typeface="Roboto" panose="02000000000000000000" pitchFamily="2" charset="0"/>
+                <a:cs typeface="Roboto" panose="02000000000000000000" pitchFamily="2" charset="0"/>
+              </a:rPr>
+              <a:t>Architect</a:t>
+            </a:r>
+            <a:r>
+              <a:rPr lang="en-US" dirty="0" smtClean="0">
+                <a:latin typeface="Roboto" panose="02000000000000000000" pitchFamily="2" charset="0"/>
+                <a:ea typeface="Roboto" panose="02000000000000000000" pitchFamily="2" charset="0"/>
+                <a:cs typeface="Roboto" panose="02000000000000000000" pitchFamily="2" charset="0"/>
+              </a:rPr>
+              <a:t>.</a:t>
+            </a:r>
+            <a:endParaRPr lang="en-US" dirty="0">
+              <a:latin typeface="Roboto" panose="02000000000000000000" pitchFamily="2" charset="0"/>
+              <a:ea typeface="Roboto" panose="02000000000000000000" pitchFamily="2" charset="0"/>
+              <a:cs typeface="Roboto" panose="02000000000000000000" pitchFamily="2" charset="0"/>
+            </a:endParaRPr>
+          </a:p>
+        </p:txBody>
+      </p:sp>
+    </p:spTree>
+    <p:extLst>
+      <p:ext uri="{BB962C8B-B14F-4D97-AF65-F5344CB8AC3E}">
+        <p14:creationId xmlns:p14="http://schemas.microsoft.com/office/powerpoint/2010/main" val="161443777"/>
+      </p:ext>
+    </p:extLst>
+  </p:cSld>
+  <p:clrMapOvr>
+    <a:masterClrMapping/>
+  </p:clrMapOvr>
+  <p:timing>
+    <p:tnLst>
+      <p:par>
+        <p:cTn id="1" dur="indefinite" restart="never" nodeType="tmRoot"/>
+      </p:par>
+    </p:tnLst>
+  </p:timing>
+</p:sld>
+</file>
+
+<file path=ppt/slides/slide7.xml><?xml version="1.0" encoding="utf-8"?>
+<p:sld xmlns:a="http://schemas.openxmlformats.org/drawingml/2006/main" xmlns:r="http://schemas.openxmlformats.org/officeDocument/2006/relationships" xmlns:p="http://schemas.openxmlformats.org/presentationml/2006/main">
+  <p:cSld>
+    <p:bg>
+      <p:bgPr>
+        <a:solidFill>
+          <a:srgbClr val="FFFDDA"/>
+        </a:solidFill>
+        <a:effectLst/>
+      </p:bgPr>
+    </p:bg>
+    <p:spTree>
+      <p:nvGrpSpPr>
+        <p:cNvPr id="1" name=""/>
+        <p:cNvGrpSpPr/>
+        <p:nvPr/>
+      </p:nvGrpSpPr>
+      <p:grpSpPr>
+        <a:xfrm>
+          <a:off x="0" y="0"/>
+          <a:ext cx="0" cy="0"/>
+          <a:chOff x="0" y="0"/>
+          <a:chExt cx="0" cy="0"/>
+        </a:xfrm>
+      </p:grpSpPr>
+      <p:sp>
+        <p:nvSpPr>
+          <p:cNvPr id="24" name="AutoShape 4" descr="Examples of the logos"/>
+          <p:cNvSpPr>
+            <a:spLocks noChangeAspect="1" noChangeArrowheads="1"/>
+          </p:cNvSpPr>
+          <p:nvPr/>
+        </p:nvSpPr>
+        <p:spPr bwMode="auto">
+          <a:xfrm>
+            <a:off x="155575" y="-144463"/>
+            <a:ext cx="304800" cy="304801"/>
+          </a:xfrm>
+          <a:prstGeom prst="rect">
+            <a:avLst/>
+          </a:prstGeom>
+          <a:noFill/>
+          <a:extLst>
+            <a:ext uri="{909E8E84-426E-40DD-AFC4-6F175D3DCCD1}">
+              <a14:hiddenFill xmlns:a14="http://schemas.microsoft.com/office/drawing/2010/main">
+                <a:solidFill>
+                  <a:srgbClr val="FFFFFF"/>
+                </a:solidFill>
+              </a14:hiddenFill>
+            </a:ext>
+          </a:extLst>
+        </p:spPr>
+        <p:txBody>
+          <a:bodyPr vert="horz" wrap="square" lIns="91440" tIns="45720" rIns="91440" bIns="45720" numCol="1" anchor="t" anchorCtr="0" compatLnSpc="1">
+            <a:prstTxWarp prst="textNoShape">
+              <a:avLst/>
+            </a:prstTxWarp>
+          </a:bodyPr>
+          <a:lstStyle/>
+          <a:p>
+            <a:endParaRPr lang="ru-RU"/>
+          </a:p>
+        </p:txBody>
+      </p:sp>
+      <p:sp>
+        <p:nvSpPr>
+          <p:cNvPr id="8" name="TextBox 7"/>
+          <p:cNvSpPr txBox="1"/>
+          <p:nvPr/>
+        </p:nvSpPr>
+        <p:spPr>
+          <a:xfrm>
+            <a:off x="0" y="323128"/>
+            <a:ext cx="12192000" cy="769441"/>
+          </a:xfrm>
+          <a:prstGeom prst="rect">
+            <a:avLst/>
+          </a:prstGeom>
+          <a:noFill/>
+        </p:spPr>
+        <p:txBody>
+          <a:bodyPr wrap="square" rtlCol="0">
+            <a:spAutoFit/>
+          </a:bodyPr>
+          <a:lstStyle/>
+          <a:p>
+            <a:pPr algn="ctr"/>
+            <a:r>
+              <a:rPr lang="en-US" sz="4400" dirty="0" smtClean="0">
+                <a:latin typeface="Roboto Black" panose="02000000000000000000" pitchFamily="2" charset="0"/>
+                <a:ea typeface="Roboto Black" panose="02000000000000000000" pitchFamily="2" charset="0"/>
+                <a:cs typeface="Roboto Black" panose="02000000000000000000" pitchFamily="2" charset="0"/>
+              </a:rPr>
+              <a:t>Angular CLI builders</a:t>
+            </a:r>
+          </a:p>
+        </p:txBody>
+      </p:sp>
+      <p:graphicFrame>
+        <p:nvGraphicFramePr>
+          <p:cNvPr id="3" name="Таблица 2"/>
+          <p:cNvGraphicFramePr>
+            <a:graphicFrameLocks noGrp="1"/>
+          </p:cNvGraphicFramePr>
+          <p:nvPr>
+            <p:extLst>
+              <p:ext uri="{D42A27DB-BD31-4B8C-83A1-F6EECF244321}">
+                <p14:modId xmlns:p14="http://schemas.microsoft.com/office/powerpoint/2010/main" val="2124910415"/>
+              </p:ext>
+            </p:extLst>
+          </p:nvPr>
+        </p:nvGraphicFramePr>
+        <p:xfrm>
+          <a:off x="377189" y="1684020"/>
+          <a:ext cx="11437621" cy="4097600"/>
+        </p:xfrm>
+        <a:graphic>
+          <a:graphicData uri="http://schemas.openxmlformats.org/drawingml/2006/table">
+            <a:tbl>
+              <a:tblPr firstRow="1" bandRow="1">
+                <a:tableStyleId>{5940675A-B579-460E-94D1-54222C63F5DA}</a:tableStyleId>
+              </a:tblPr>
+              <a:tblGrid>
+                <a:gridCol w="1543051">
+                  <a:extLst>
+                    <a:ext uri="{9D8B030D-6E8A-4147-A177-3AD203B41FA5}">
+                      <a16:colId xmlns:a16="http://schemas.microsoft.com/office/drawing/2014/main" val="1366757412"/>
+                    </a:ext>
+                  </a:extLst>
+                </a:gridCol>
+                <a:gridCol w="4587240">
+                  <a:extLst>
+                    <a:ext uri="{9D8B030D-6E8A-4147-A177-3AD203B41FA5}">
+                      <a16:colId xmlns:a16="http://schemas.microsoft.com/office/drawing/2014/main" val="3389189387"/>
+                    </a:ext>
+                  </a:extLst>
+                </a:gridCol>
+                <a:gridCol w="5307330">
+                  <a:extLst>
+                    <a:ext uri="{9D8B030D-6E8A-4147-A177-3AD203B41FA5}">
+                      <a16:colId xmlns:a16="http://schemas.microsoft.com/office/drawing/2014/main" val="3894746259"/>
+                    </a:ext>
+                  </a:extLst>
+                </a:gridCol>
+              </a:tblGrid>
+              <a:tr h="441827">
+                <a:tc>
+                  <a:txBody>
+                    <a:bodyPr/>
+                    <a:lstStyle/>
+                    <a:p>
+                      <a:pPr algn="ctr"/>
+                      <a:endParaRPr lang="ru-RU" dirty="0">
+                        <a:latin typeface="Roboto Black" panose="02000000000000000000" pitchFamily="2" charset="0"/>
+                        <a:ea typeface="Roboto Black" panose="02000000000000000000" pitchFamily="2" charset="0"/>
+                        <a:cs typeface="Roboto Black" panose="02000000000000000000" pitchFamily="2" charset="0"/>
+                      </a:endParaRPr>
+                    </a:p>
+                  </a:txBody>
+                  <a:tcPr anchor="ctr"/>
+                </a:tc>
+                <a:tc>
+                  <a:txBody>
+                    <a:bodyPr/>
+                    <a:lstStyle/>
+                    <a:p>
+                      <a:pPr algn="ctr"/>
+                      <a:r>
+                        <a:rPr lang="en-US" dirty="0" smtClean="0">
+                          <a:latin typeface="Roboto Black" panose="02000000000000000000" pitchFamily="2" charset="0"/>
+                          <a:ea typeface="Roboto Black" panose="02000000000000000000" pitchFamily="2" charset="0"/>
+                          <a:cs typeface="Roboto Black" panose="02000000000000000000" pitchFamily="2" charset="0"/>
+                        </a:rPr>
+                        <a:t>Version &lt;</a:t>
+                      </a:r>
+                      <a:r>
+                        <a:rPr lang="en-US" baseline="0" dirty="0" smtClean="0">
+                          <a:latin typeface="Roboto Black" panose="02000000000000000000" pitchFamily="2" charset="0"/>
+                          <a:ea typeface="Roboto Black" panose="02000000000000000000" pitchFamily="2" charset="0"/>
+                          <a:cs typeface="Roboto Black" panose="02000000000000000000" pitchFamily="2" charset="0"/>
+                        </a:rPr>
+                        <a:t> 17</a:t>
+                      </a:r>
+                      <a:endParaRPr lang="ru-RU" dirty="0">
+                        <a:latin typeface="Roboto Black" panose="02000000000000000000" pitchFamily="2" charset="0"/>
+                        <a:ea typeface="Roboto Black" panose="02000000000000000000" pitchFamily="2" charset="0"/>
+                        <a:cs typeface="Roboto Black" panose="02000000000000000000" pitchFamily="2" charset="0"/>
+                      </a:endParaRPr>
+                    </a:p>
+                  </a:txBody>
+                  <a:tcPr anchor="ctr"/>
+                </a:tc>
+                <a:tc>
+                  <a:txBody>
+                    <a:bodyPr/>
+                    <a:lstStyle/>
+                    <a:p>
+                      <a:pPr algn="ctr"/>
+                      <a:r>
+                        <a:rPr lang="en-US" dirty="0" smtClean="0">
+                          <a:latin typeface="Roboto Black" panose="02000000000000000000" pitchFamily="2" charset="0"/>
+                          <a:ea typeface="Roboto Black" panose="02000000000000000000" pitchFamily="2" charset="0"/>
+                          <a:cs typeface="Roboto Black" panose="02000000000000000000" pitchFamily="2" charset="0"/>
+                        </a:rPr>
+                        <a:t>Version &gt;=17</a:t>
+                      </a:r>
+                      <a:endParaRPr lang="ru-RU" dirty="0">
+                        <a:latin typeface="Roboto Black" panose="02000000000000000000" pitchFamily="2" charset="0"/>
+                        <a:ea typeface="Roboto Black" panose="02000000000000000000" pitchFamily="2" charset="0"/>
+                        <a:cs typeface="Roboto Black" panose="02000000000000000000" pitchFamily="2" charset="0"/>
+                      </a:endParaRPr>
+                    </a:p>
+                  </a:txBody>
+                  <a:tcPr anchor="ctr"/>
+                </a:tc>
+                <a:extLst>
+                  <a:ext uri="{0D108BD9-81ED-4DB2-BD59-A6C34878D82A}">
+                    <a16:rowId xmlns:a16="http://schemas.microsoft.com/office/drawing/2014/main" val="2737746140"/>
+                  </a:ext>
+                </a:extLst>
+              </a:tr>
+              <a:tr h="2278513">
+                <a:tc>
+                  <a:txBody>
+                    <a:bodyPr/>
+                    <a:lstStyle/>
+                    <a:p>
+                      <a:pPr algn="ctr"/>
+                      <a:r>
+                        <a:rPr lang="en-US" dirty="0" smtClean="0">
+                          <a:latin typeface="Roboto Black" panose="02000000000000000000" pitchFamily="2" charset="0"/>
+                          <a:ea typeface="Roboto Black" panose="02000000000000000000" pitchFamily="2" charset="0"/>
+                          <a:cs typeface="Roboto Black" panose="02000000000000000000" pitchFamily="2" charset="0"/>
+                        </a:rPr>
+                        <a:t>build</a:t>
+                      </a:r>
+                      <a:endParaRPr lang="ru-RU" dirty="0">
+                        <a:latin typeface="Roboto Black" panose="02000000000000000000" pitchFamily="2" charset="0"/>
+                        <a:ea typeface="Roboto Black" panose="02000000000000000000" pitchFamily="2" charset="0"/>
+                        <a:cs typeface="Roboto Black" panose="02000000000000000000" pitchFamily="2" charset="0"/>
+                      </a:endParaRPr>
+                    </a:p>
+                  </a:txBody>
+                  <a:tcPr anchor="ctr"/>
+                </a:tc>
+                <a:tc>
+                  <a:txBody>
+                    <a:bodyPr/>
+                    <a:lstStyle/>
+                    <a:p>
+                      <a:pPr algn="l"/>
+                      <a:r>
+                        <a:rPr lang="en-US" sz="1800" b="0" i="1" kern="1200" dirty="0" smtClean="0">
+                          <a:solidFill>
+                            <a:schemeClr val="tx1"/>
+                          </a:solidFill>
+                          <a:effectLst/>
+                          <a:latin typeface="Roboto" panose="02000000000000000000" pitchFamily="2" charset="0"/>
+                          <a:ea typeface="Roboto" panose="02000000000000000000" pitchFamily="2" charset="0"/>
+                          <a:cs typeface="Roboto" panose="02000000000000000000" pitchFamily="2" charset="0"/>
+                        </a:rPr>
+                        <a:t>@angular-</a:t>
+                      </a:r>
+                      <a:r>
+                        <a:rPr lang="en-US" sz="1800" b="0" i="1" kern="1200" dirty="0" err="1" smtClean="0">
+                          <a:solidFill>
+                            <a:schemeClr val="tx1"/>
+                          </a:solidFill>
+                          <a:effectLst/>
+                          <a:latin typeface="Roboto" panose="02000000000000000000" pitchFamily="2" charset="0"/>
+                          <a:ea typeface="Roboto" panose="02000000000000000000" pitchFamily="2" charset="0"/>
+                          <a:cs typeface="Roboto" panose="02000000000000000000" pitchFamily="2" charset="0"/>
+                        </a:rPr>
+                        <a:t>devkit</a:t>
+                      </a:r>
+                      <a:r>
+                        <a:rPr lang="en-US" sz="1800" b="0" i="1" kern="1200" dirty="0" smtClean="0">
+                          <a:solidFill>
+                            <a:schemeClr val="tx1"/>
+                          </a:solidFill>
+                          <a:effectLst/>
+                          <a:latin typeface="Roboto" panose="02000000000000000000" pitchFamily="2" charset="0"/>
+                          <a:ea typeface="Roboto" panose="02000000000000000000" pitchFamily="2" charset="0"/>
+                          <a:cs typeface="Roboto" panose="02000000000000000000" pitchFamily="2" charset="0"/>
+                        </a:rPr>
+                        <a:t>/</a:t>
+                      </a:r>
+                      <a:r>
+                        <a:rPr lang="en-US" sz="1800" b="0" i="1" kern="1200" dirty="0" err="1" smtClean="0">
+                          <a:solidFill>
+                            <a:schemeClr val="tx1"/>
+                          </a:solidFill>
+                          <a:effectLst/>
+                          <a:latin typeface="Roboto" panose="02000000000000000000" pitchFamily="2" charset="0"/>
+                          <a:ea typeface="Roboto" panose="02000000000000000000" pitchFamily="2" charset="0"/>
+                          <a:cs typeface="Roboto" panose="02000000000000000000" pitchFamily="2" charset="0"/>
+                        </a:rPr>
+                        <a:t>build-angular:</a:t>
+                      </a:r>
+                      <a:r>
+                        <a:rPr lang="en-US" sz="1800" b="0" i="1" kern="1200" dirty="0" err="1" smtClean="0">
+                          <a:solidFill>
+                            <a:srgbClr val="00B0F0"/>
+                          </a:solidFill>
+                          <a:effectLst/>
+                          <a:latin typeface="Roboto" panose="02000000000000000000" pitchFamily="2" charset="0"/>
+                          <a:ea typeface="Roboto" panose="02000000000000000000" pitchFamily="2" charset="0"/>
+                          <a:cs typeface="Roboto" panose="02000000000000000000" pitchFamily="2" charset="0"/>
+                        </a:rPr>
+                        <a:t>ng-packagr</a:t>
+                      </a:r>
+                      <a:endParaRPr lang="ru-RU" sz="1800" b="0" i="1" kern="1200" dirty="0" smtClean="0">
+                        <a:solidFill>
+                          <a:srgbClr val="00B0F0"/>
+                        </a:solidFill>
+                        <a:effectLst/>
+                        <a:latin typeface="Roboto" panose="02000000000000000000" pitchFamily="2" charset="0"/>
+                        <a:ea typeface="Roboto" panose="02000000000000000000" pitchFamily="2" charset="0"/>
+                        <a:cs typeface="Roboto" panose="02000000000000000000" pitchFamily="2" charset="0"/>
+                      </a:endParaRPr>
+                    </a:p>
+                    <a:p>
+                      <a:pPr algn="l"/>
+                      <a:endParaRPr lang="ru-RU" sz="1800" b="0" i="1" kern="1200" dirty="0" smtClean="0">
+                        <a:solidFill>
+                          <a:schemeClr val="tx1"/>
+                        </a:solidFill>
+                        <a:effectLst/>
+                        <a:latin typeface="Roboto" panose="02000000000000000000" pitchFamily="2" charset="0"/>
+                        <a:ea typeface="Roboto" panose="02000000000000000000" pitchFamily="2" charset="0"/>
+                        <a:cs typeface="Roboto" panose="02000000000000000000" pitchFamily="2" charset="0"/>
+                      </a:endParaRPr>
+                    </a:p>
+                    <a:p>
+                      <a:pPr algn="l"/>
+                      <a:r>
+                        <a:rPr lang="en-US" sz="1800" b="0" i="1" kern="1200" dirty="0" smtClean="0">
+                          <a:solidFill>
+                            <a:schemeClr val="tx1"/>
+                          </a:solidFill>
+                          <a:effectLst/>
+                          <a:latin typeface="Roboto" panose="02000000000000000000" pitchFamily="2" charset="0"/>
+                          <a:ea typeface="Roboto" panose="02000000000000000000" pitchFamily="2" charset="0"/>
+                          <a:cs typeface="Roboto" panose="02000000000000000000" pitchFamily="2" charset="0"/>
+                        </a:rPr>
+                        <a:t>@angular-</a:t>
+                      </a:r>
+                      <a:r>
+                        <a:rPr lang="en-US" sz="1800" b="0" i="1" kern="1200" dirty="0" err="1" smtClean="0">
+                          <a:solidFill>
+                            <a:schemeClr val="tx1"/>
+                          </a:solidFill>
+                          <a:effectLst/>
+                          <a:latin typeface="Roboto" panose="02000000000000000000" pitchFamily="2" charset="0"/>
+                          <a:ea typeface="Roboto" panose="02000000000000000000" pitchFamily="2" charset="0"/>
+                          <a:cs typeface="Roboto" panose="02000000000000000000" pitchFamily="2" charset="0"/>
+                        </a:rPr>
+                        <a:t>devkit</a:t>
+                      </a:r>
+                      <a:r>
+                        <a:rPr lang="en-US" sz="1800" b="0" i="1" kern="1200" dirty="0" smtClean="0">
+                          <a:solidFill>
+                            <a:schemeClr val="tx1"/>
+                          </a:solidFill>
+                          <a:effectLst/>
+                          <a:latin typeface="Roboto" panose="02000000000000000000" pitchFamily="2" charset="0"/>
+                          <a:ea typeface="Roboto" panose="02000000000000000000" pitchFamily="2" charset="0"/>
+                          <a:cs typeface="Roboto" panose="02000000000000000000" pitchFamily="2" charset="0"/>
+                        </a:rPr>
+                        <a:t>/</a:t>
+                      </a:r>
+                      <a:r>
+                        <a:rPr lang="en-US" sz="1800" b="0" i="1" kern="1200" dirty="0" err="1" smtClean="0">
+                          <a:solidFill>
+                            <a:schemeClr val="tx1"/>
+                          </a:solidFill>
+                          <a:effectLst/>
+                          <a:latin typeface="Roboto" panose="02000000000000000000" pitchFamily="2" charset="0"/>
+                          <a:ea typeface="Roboto" panose="02000000000000000000" pitchFamily="2" charset="0"/>
+                          <a:cs typeface="Roboto" panose="02000000000000000000" pitchFamily="2" charset="0"/>
+                        </a:rPr>
+                        <a:t>build-angular:</a:t>
+                      </a:r>
+                      <a:r>
+                        <a:rPr lang="en-US" sz="1800" b="0" i="1" kern="1200" dirty="0" err="1" smtClean="0">
+                          <a:solidFill>
+                            <a:schemeClr val="accent2">
+                              <a:lumMod val="75000"/>
+                            </a:schemeClr>
+                          </a:solidFill>
+                          <a:effectLst/>
+                          <a:latin typeface="Roboto" panose="02000000000000000000" pitchFamily="2" charset="0"/>
+                          <a:ea typeface="Roboto" panose="02000000000000000000" pitchFamily="2" charset="0"/>
+                          <a:cs typeface="Roboto" panose="02000000000000000000" pitchFamily="2" charset="0"/>
+                        </a:rPr>
+                        <a:t>browser</a:t>
+                      </a:r>
+                      <a:endParaRPr lang="ru-RU" i="1" dirty="0">
+                        <a:solidFill>
+                          <a:schemeClr val="accent2">
+                            <a:lumMod val="75000"/>
+                          </a:schemeClr>
+                        </a:solidFill>
+                        <a:latin typeface="Roboto" panose="02000000000000000000" pitchFamily="2" charset="0"/>
+                        <a:ea typeface="Roboto" panose="02000000000000000000" pitchFamily="2" charset="0"/>
+                        <a:cs typeface="Roboto" panose="02000000000000000000" pitchFamily="2" charset="0"/>
+                      </a:endParaRPr>
+                    </a:p>
+                  </a:txBody>
+                  <a:tcPr/>
+                </a:tc>
+                <a:tc>
+                  <a:txBody>
+                    <a:bodyPr/>
+                    <a:lstStyle/>
+                    <a:p>
+                      <a:pPr algn="l"/>
+                      <a:r>
+                        <a:rPr lang="en-US" sz="1800" b="0" i="1" kern="1200" dirty="0" smtClean="0">
+                          <a:solidFill>
+                            <a:schemeClr val="tx1"/>
+                          </a:solidFill>
+                          <a:effectLst/>
+                          <a:latin typeface="Roboto" panose="02000000000000000000" pitchFamily="2" charset="0"/>
+                          <a:ea typeface="Roboto" panose="02000000000000000000" pitchFamily="2" charset="0"/>
+                          <a:cs typeface="Roboto" panose="02000000000000000000" pitchFamily="2" charset="0"/>
+                        </a:rPr>
+                        <a:t>@angular-</a:t>
+                      </a:r>
+                      <a:r>
+                        <a:rPr lang="en-US" sz="1800" b="0" i="1" kern="1200" dirty="0" err="1" smtClean="0">
+                          <a:solidFill>
+                            <a:schemeClr val="tx1"/>
+                          </a:solidFill>
+                          <a:effectLst/>
+                          <a:latin typeface="Roboto" panose="02000000000000000000" pitchFamily="2" charset="0"/>
+                          <a:ea typeface="Roboto" panose="02000000000000000000" pitchFamily="2" charset="0"/>
+                          <a:cs typeface="Roboto" panose="02000000000000000000" pitchFamily="2" charset="0"/>
+                        </a:rPr>
+                        <a:t>devkit</a:t>
+                      </a:r>
+                      <a:r>
+                        <a:rPr lang="en-US" sz="1800" b="0" i="1" kern="1200" dirty="0" smtClean="0">
+                          <a:solidFill>
+                            <a:schemeClr val="tx1"/>
+                          </a:solidFill>
+                          <a:effectLst/>
+                          <a:latin typeface="Roboto" panose="02000000000000000000" pitchFamily="2" charset="0"/>
+                          <a:ea typeface="Roboto" panose="02000000000000000000" pitchFamily="2" charset="0"/>
+                          <a:cs typeface="Roboto" panose="02000000000000000000" pitchFamily="2" charset="0"/>
+                        </a:rPr>
+                        <a:t>/</a:t>
+                      </a:r>
+                      <a:r>
+                        <a:rPr lang="en-US" sz="1800" b="0" i="1" kern="1200" dirty="0" err="1" smtClean="0">
+                          <a:solidFill>
+                            <a:schemeClr val="tx1"/>
+                          </a:solidFill>
+                          <a:effectLst/>
+                          <a:latin typeface="Roboto" panose="02000000000000000000" pitchFamily="2" charset="0"/>
+                          <a:ea typeface="Roboto" panose="02000000000000000000" pitchFamily="2" charset="0"/>
+                          <a:cs typeface="Roboto" panose="02000000000000000000" pitchFamily="2" charset="0"/>
+                        </a:rPr>
+                        <a:t>build-angular:</a:t>
+                      </a:r>
+                      <a:r>
+                        <a:rPr lang="en-US" sz="1800" b="0" i="1" kern="1200" dirty="0" err="1" smtClean="0">
+                          <a:solidFill>
+                            <a:srgbClr val="00B0F0"/>
+                          </a:solidFill>
+                          <a:effectLst/>
+                          <a:latin typeface="Roboto" panose="02000000000000000000" pitchFamily="2" charset="0"/>
+                          <a:ea typeface="Roboto" panose="02000000000000000000" pitchFamily="2" charset="0"/>
+                          <a:cs typeface="Roboto" panose="02000000000000000000" pitchFamily="2" charset="0"/>
+                        </a:rPr>
+                        <a:t>ng-packagr</a:t>
+                      </a:r>
+                      <a:endParaRPr lang="ru-RU" sz="1800" b="0" i="1" kern="1200" dirty="0" smtClean="0">
+                        <a:solidFill>
+                          <a:srgbClr val="00B0F0"/>
+                        </a:solidFill>
+                        <a:effectLst/>
+                        <a:latin typeface="Roboto" panose="02000000000000000000" pitchFamily="2" charset="0"/>
+                        <a:ea typeface="Roboto" panose="02000000000000000000" pitchFamily="2" charset="0"/>
+                        <a:cs typeface="Roboto" panose="02000000000000000000" pitchFamily="2" charset="0"/>
+                      </a:endParaRPr>
+                    </a:p>
+                    <a:p>
+                      <a:pPr algn="l"/>
+                      <a:endParaRPr lang="ru-RU" sz="1800" b="0" i="1" kern="1200" dirty="0" smtClean="0">
+                        <a:solidFill>
+                          <a:schemeClr val="tx1"/>
+                        </a:solidFill>
+                        <a:effectLst/>
+                        <a:latin typeface="Roboto" panose="02000000000000000000" pitchFamily="2" charset="0"/>
+                        <a:ea typeface="Roboto" panose="02000000000000000000" pitchFamily="2" charset="0"/>
+                        <a:cs typeface="Roboto" panose="02000000000000000000" pitchFamily="2" charset="0"/>
+                      </a:endParaRPr>
+                    </a:p>
+                    <a:p>
+                      <a:pPr algn="l"/>
+                      <a:r>
+                        <a:rPr lang="en-US" sz="1800" b="0" i="1" kern="1200" dirty="0" smtClean="0">
+                          <a:solidFill>
+                            <a:schemeClr val="tx1"/>
+                          </a:solidFill>
+                          <a:effectLst/>
+                          <a:latin typeface="Roboto" panose="02000000000000000000" pitchFamily="2" charset="0"/>
+                          <a:ea typeface="Roboto" panose="02000000000000000000" pitchFamily="2" charset="0"/>
+                          <a:cs typeface="Roboto" panose="02000000000000000000" pitchFamily="2" charset="0"/>
+                        </a:rPr>
+                        <a:t>@angular-</a:t>
+                      </a:r>
+                      <a:r>
+                        <a:rPr lang="en-US" sz="1800" b="0" i="1" kern="1200" dirty="0" err="1" smtClean="0">
+                          <a:solidFill>
+                            <a:schemeClr val="tx1"/>
+                          </a:solidFill>
+                          <a:effectLst/>
+                          <a:latin typeface="Roboto" panose="02000000000000000000" pitchFamily="2" charset="0"/>
+                          <a:ea typeface="Roboto" panose="02000000000000000000" pitchFamily="2" charset="0"/>
+                          <a:cs typeface="Roboto" panose="02000000000000000000" pitchFamily="2" charset="0"/>
+                        </a:rPr>
+                        <a:t>devkit</a:t>
+                      </a:r>
+                      <a:r>
+                        <a:rPr lang="en-US" sz="1800" b="0" i="1" kern="1200" dirty="0" smtClean="0">
+                          <a:solidFill>
+                            <a:schemeClr val="tx1"/>
+                          </a:solidFill>
+                          <a:effectLst/>
+                          <a:latin typeface="Roboto" panose="02000000000000000000" pitchFamily="2" charset="0"/>
+                          <a:ea typeface="Roboto" panose="02000000000000000000" pitchFamily="2" charset="0"/>
+                          <a:cs typeface="Roboto" panose="02000000000000000000" pitchFamily="2" charset="0"/>
+                        </a:rPr>
+                        <a:t>/</a:t>
+                      </a:r>
+                      <a:r>
+                        <a:rPr lang="en-US" sz="1800" b="0" i="1" kern="1200" dirty="0" err="1" smtClean="0">
+                          <a:solidFill>
+                            <a:schemeClr val="tx1"/>
+                          </a:solidFill>
+                          <a:effectLst/>
+                          <a:latin typeface="Roboto" panose="02000000000000000000" pitchFamily="2" charset="0"/>
+                          <a:ea typeface="Roboto" panose="02000000000000000000" pitchFamily="2" charset="0"/>
+                          <a:cs typeface="Roboto" panose="02000000000000000000" pitchFamily="2" charset="0"/>
+                        </a:rPr>
+                        <a:t>build-angular:</a:t>
+                      </a:r>
+                      <a:r>
+                        <a:rPr lang="en-US" sz="1800" b="0" i="1" kern="1200" dirty="0" err="1" smtClean="0">
+                          <a:solidFill>
+                            <a:schemeClr val="accent2">
+                              <a:lumMod val="75000"/>
+                            </a:schemeClr>
+                          </a:solidFill>
+                          <a:effectLst/>
+                          <a:latin typeface="Roboto" panose="02000000000000000000" pitchFamily="2" charset="0"/>
+                          <a:ea typeface="Roboto" panose="02000000000000000000" pitchFamily="2" charset="0"/>
+                          <a:cs typeface="Roboto" panose="02000000000000000000" pitchFamily="2" charset="0"/>
+                        </a:rPr>
+                        <a:t>browser</a:t>
+                      </a:r>
+                      <a:endParaRPr lang="en-US" sz="1800" b="0" i="1" kern="1200" dirty="0" smtClean="0">
+                        <a:solidFill>
+                          <a:schemeClr val="accent2">
+                            <a:lumMod val="75000"/>
+                          </a:schemeClr>
+                        </a:solidFill>
+                        <a:effectLst/>
+                        <a:latin typeface="Roboto" panose="02000000000000000000" pitchFamily="2" charset="0"/>
+                        <a:ea typeface="Roboto" panose="02000000000000000000" pitchFamily="2" charset="0"/>
+                        <a:cs typeface="Roboto" panose="02000000000000000000" pitchFamily="2" charset="0"/>
+                      </a:endParaRPr>
+                    </a:p>
+                    <a:p>
+                      <a:pPr algn="l"/>
+                      <a:endParaRPr lang="en-US" sz="1800" b="0" i="1" kern="1200" dirty="0" smtClean="0">
+                        <a:solidFill>
+                          <a:schemeClr val="tx1"/>
+                        </a:solidFill>
+                        <a:effectLst/>
+                        <a:latin typeface="Roboto" panose="02000000000000000000" pitchFamily="2" charset="0"/>
+                        <a:ea typeface="Roboto" panose="02000000000000000000" pitchFamily="2" charset="0"/>
+                        <a:cs typeface="Roboto" panose="02000000000000000000" pitchFamily="2" charset="0"/>
+                      </a:endParaRPr>
+                    </a:p>
+                    <a:p>
+                      <a:pPr algn="l"/>
+                      <a:r>
+                        <a:rPr lang="en-US" sz="1800" b="0" i="1" kern="1200" dirty="0" smtClean="0">
+                          <a:solidFill>
+                            <a:schemeClr val="tx1"/>
+                          </a:solidFill>
+                          <a:effectLst/>
+                          <a:latin typeface="Roboto" panose="02000000000000000000" pitchFamily="2" charset="0"/>
+                          <a:ea typeface="Roboto" panose="02000000000000000000" pitchFamily="2" charset="0"/>
+                          <a:cs typeface="Roboto" panose="02000000000000000000" pitchFamily="2" charset="0"/>
+                        </a:rPr>
+                        <a:t>@angular-</a:t>
+                      </a:r>
+                      <a:r>
+                        <a:rPr lang="en-US" sz="1800" b="0" i="1" kern="1200" dirty="0" err="1" smtClean="0">
+                          <a:solidFill>
+                            <a:schemeClr val="tx1"/>
+                          </a:solidFill>
+                          <a:effectLst/>
+                          <a:latin typeface="Roboto" panose="02000000000000000000" pitchFamily="2" charset="0"/>
+                          <a:ea typeface="Roboto" panose="02000000000000000000" pitchFamily="2" charset="0"/>
+                          <a:cs typeface="Roboto" panose="02000000000000000000" pitchFamily="2" charset="0"/>
+                        </a:rPr>
+                        <a:t>devkit</a:t>
+                      </a:r>
+                      <a:r>
+                        <a:rPr lang="en-US" sz="1800" b="0" i="1" kern="1200" dirty="0" smtClean="0">
+                          <a:solidFill>
+                            <a:schemeClr val="tx1"/>
+                          </a:solidFill>
+                          <a:effectLst/>
+                          <a:latin typeface="Roboto" panose="02000000000000000000" pitchFamily="2" charset="0"/>
+                          <a:ea typeface="Roboto" panose="02000000000000000000" pitchFamily="2" charset="0"/>
+                          <a:cs typeface="Roboto" panose="02000000000000000000" pitchFamily="2" charset="0"/>
+                        </a:rPr>
+                        <a:t>/</a:t>
+                      </a:r>
+                      <a:r>
+                        <a:rPr lang="en-US" sz="1800" b="0" i="1" kern="1200" dirty="0" err="1" smtClean="0">
+                          <a:solidFill>
+                            <a:schemeClr val="tx1"/>
+                          </a:solidFill>
+                          <a:effectLst/>
+                          <a:latin typeface="Roboto" panose="02000000000000000000" pitchFamily="2" charset="0"/>
+                          <a:ea typeface="Roboto" panose="02000000000000000000" pitchFamily="2" charset="0"/>
+                          <a:cs typeface="Roboto" panose="02000000000000000000" pitchFamily="2" charset="0"/>
+                        </a:rPr>
+                        <a:t>build-angular:</a:t>
+                      </a:r>
+                      <a:r>
+                        <a:rPr lang="en-US" sz="1800" b="0" i="1" kern="1200" dirty="0" err="1" smtClean="0">
+                          <a:solidFill>
+                            <a:schemeClr val="accent2">
+                              <a:lumMod val="75000"/>
+                            </a:schemeClr>
+                          </a:solidFill>
+                          <a:effectLst/>
+                          <a:latin typeface="Roboto" panose="02000000000000000000" pitchFamily="2" charset="0"/>
+                          <a:ea typeface="Roboto" panose="02000000000000000000" pitchFamily="2" charset="0"/>
+                          <a:cs typeface="Roboto" panose="02000000000000000000" pitchFamily="2" charset="0"/>
+                        </a:rPr>
+                        <a:t>browser-esbuild</a:t>
+                      </a:r>
+                      <a:endParaRPr lang="en-US" sz="1800" b="0" i="1" kern="1200" dirty="0" smtClean="0">
+                        <a:solidFill>
+                          <a:schemeClr val="accent2">
+                            <a:lumMod val="75000"/>
+                          </a:schemeClr>
+                        </a:solidFill>
+                        <a:effectLst/>
+                        <a:latin typeface="Roboto" panose="02000000000000000000" pitchFamily="2" charset="0"/>
+                        <a:ea typeface="Roboto" panose="02000000000000000000" pitchFamily="2" charset="0"/>
+                        <a:cs typeface="Roboto" panose="02000000000000000000" pitchFamily="2" charset="0"/>
+                      </a:endParaRPr>
+                    </a:p>
+                    <a:p>
+                      <a:pPr algn="l"/>
+                      <a:endParaRPr lang="en-US" sz="1800" b="0" i="1" kern="1200" dirty="0" smtClean="0">
+                        <a:solidFill>
+                          <a:schemeClr val="tx1"/>
+                        </a:solidFill>
+                        <a:effectLst/>
+                        <a:latin typeface="Roboto" panose="02000000000000000000" pitchFamily="2" charset="0"/>
+                        <a:ea typeface="Roboto" panose="02000000000000000000" pitchFamily="2" charset="0"/>
+                        <a:cs typeface="Roboto" panose="02000000000000000000" pitchFamily="2" charset="0"/>
+                      </a:endParaRPr>
+                    </a:p>
+                    <a:p>
+                      <a:pPr algn="l"/>
+                      <a:r>
+                        <a:rPr lang="en-US" sz="1800" b="0" i="1" kern="1200" dirty="0" smtClean="0">
+                          <a:solidFill>
+                            <a:schemeClr val="tx1"/>
+                          </a:solidFill>
+                          <a:effectLst/>
+                          <a:latin typeface="Roboto" panose="02000000000000000000" pitchFamily="2" charset="0"/>
+                          <a:ea typeface="Roboto" panose="02000000000000000000" pitchFamily="2" charset="0"/>
+                          <a:cs typeface="Roboto" panose="02000000000000000000" pitchFamily="2" charset="0"/>
+                        </a:rPr>
+                        <a:t>@angular-</a:t>
+                      </a:r>
+                      <a:r>
+                        <a:rPr lang="en-US" sz="1800" b="0" i="1" kern="1200" dirty="0" err="1" smtClean="0">
+                          <a:solidFill>
+                            <a:schemeClr val="tx1"/>
+                          </a:solidFill>
+                          <a:effectLst/>
+                          <a:latin typeface="Roboto" panose="02000000000000000000" pitchFamily="2" charset="0"/>
+                          <a:ea typeface="Roboto" panose="02000000000000000000" pitchFamily="2" charset="0"/>
+                          <a:cs typeface="Roboto" panose="02000000000000000000" pitchFamily="2" charset="0"/>
+                        </a:rPr>
+                        <a:t>devkit</a:t>
+                      </a:r>
+                      <a:r>
+                        <a:rPr lang="en-US" sz="1800" b="0" i="1" kern="1200" dirty="0" smtClean="0">
+                          <a:solidFill>
+                            <a:schemeClr val="tx1"/>
+                          </a:solidFill>
+                          <a:effectLst/>
+                          <a:latin typeface="Roboto" panose="02000000000000000000" pitchFamily="2" charset="0"/>
+                          <a:ea typeface="Roboto" panose="02000000000000000000" pitchFamily="2" charset="0"/>
+                          <a:cs typeface="Roboto" panose="02000000000000000000" pitchFamily="2" charset="0"/>
+                        </a:rPr>
+                        <a:t>/</a:t>
+                      </a:r>
+                      <a:r>
+                        <a:rPr lang="en-US" sz="1800" b="0" i="1" kern="1200" dirty="0" err="1" smtClean="0">
+                          <a:solidFill>
+                            <a:schemeClr val="tx1"/>
+                          </a:solidFill>
+                          <a:effectLst/>
+                          <a:latin typeface="Roboto" panose="02000000000000000000" pitchFamily="2" charset="0"/>
+                          <a:ea typeface="Roboto" panose="02000000000000000000" pitchFamily="2" charset="0"/>
+                          <a:cs typeface="Roboto" panose="02000000000000000000" pitchFamily="2" charset="0"/>
+                        </a:rPr>
+                        <a:t>build-angular:</a:t>
+                      </a:r>
+                      <a:r>
+                        <a:rPr lang="en-US" sz="1800" b="0" i="1" kern="1200" dirty="0" err="1" smtClean="0">
+                          <a:solidFill>
+                            <a:srgbClr val="00B050"/>
+                          </a:solidFill>
+                          <a:effectLst/>
+                          <a:latin typeface="Roboto" panose="02000000000000000000" pitchFamily="2" charset="0"/>
+                          <a:ea typeface="Roboto" panose="02000000000000000000" pitchFamily="2" charset="0"/>
+                          <a:cs typeface="Roboto" panose="02000000000000000000" pitchFamily="2" charset="0"/>
+                        </a:rPr>
+                        <a:t>application</a:t>
+                      </a:r>
+                      <a:endParaRPr lang="ru-RU" dirty="0" smtClean="0">
+                        <a:solidFill>
+                          <a:srgbClr val="00B050"/>
+                        </a:solidFill>
+                      </a:endParaRPr>
+                    </a:p>
+                  </a:txBody>
+                  <a:tcPr/>
+                </a:tc>
+                <a:extLst>
+                  <a:ext uri="{0D108BD9-81ED-4DB2-BD59-A6C34878D82A}">
+                    <a16:rowId xmlns:a16="http://schemas.microsoft.com/office/drawing/2014/main" val="1293164317"/>
+                  </a:ext>
+                </a:extLst>
+              </a:tr>
+              <a:tr h="1377260">
+                <a:tc>
+                  <a:txBody>
+                    <a:bodyPr/>
+                    <a:lstStyle/>
+                    <a:p>
+                      <a:pPr algn="ctr"/>
+                      <a:r>
+                        <a:rPr lang="en-US" dirty="0" smtClean="0">
+                          <a:latin typeface="Roboto Black" panose="02000000000000000000" pitchFamily="2" charset="0"/>
+                          <a:ea typeface="Roboto Black" panose="02000000000000000000" pitchFamily="2" charset="0"/>
+                          <a:cs typeface="Roboto Black" panose="02000000000000000000" pitchFamily="2" charset="0"/>
+                        </a:rPr>
+                        <a:t>serve</a:t>
+                      </a:r>
+                      <a:endParaRPr lang="ru-RU" dirty="0">
+                        <a:latin typeface="Roboto Black" panose="02000000000000000000" pitchFamily="2" charset="0"/>
+                        <a:ea typeface="Roboto Black" panose="02000000000000000000" pitchFamily="2" charset="0"/>
+                        <a:cs typeface="Roboto Black" panose="02000000000000000000" pitchFamily="2" charset="0"/>
+                      </a:endParaRPr>
+                    </a:p>
+                  </a:txBody>
+                  <a:tcPr anchor="ctr"/>
+                </a:tc>
+                <a:tc>
+                  <a:txBody>
+                    <a:bodyPr/>
+                    <a:lstStyle/>
+                    <a:p>
+                      <a:pPr algn="l"/>
+                      <a:r>
+                        <a:rPr lang="en-US" sz="1800" b="0" i="1" kern="1200" dirty="0" smtClean="0">
+                          <a:solidFill>
+                            <a:schemeClr val="tx1"/>
+                          </a:solidFill>
+                          <a:effectLst/>
+                          <a:latin typeface="Roboto" panose="02000000000000000000" pitchFamily="2" charset="0"/>
+                          <a:ea typeface="Roboto" panose="02000000000000000000" pitchFamily="2" charset="0"/>
+                          <a:cs typeface="Roboto" panose="02000000000000000000" pitchFamily="2" charset="0"/>
+                        </a:rPr>
+                        <a:t>@angular-</a:t>
+                      </a:r>
+                      <a:r>
+                        <a:rPr lang="en-US" sz="1800" b="0" i="1" kern="1200" dirty="0" err="1" smtClean="0">
+                          <a:solidFill>
+                            <a:schemeClr val="tx1"/>
+                          </a:solidFill>
+                          <a:effectLst/>
+                          <a:latin typeface="Roboto" panose="02000000000000000000" pitchFamily="2" charset="0"/>
+                          <a:ea typeface="Roboto" panose="02000000000000000000" pitchFamily="2" charset="0"/>
+                          <a:cs typeface="Roboto" panose="02000000000000000000" pitchFamily="2" charset="0"/>
+                        </a:rPr>
+                        <a:t>devkit</a:t>
+                      </a:r>
+                      <a:r>
+                        <a:rPr lang="en-US" sz="1800" b="0" i="1" kern="1200" dirty="0" smtClean="0">
+                          <a:solidFill>
+                            <a:schemeClr val="tx1"/>
+                          </a:solidFill>
+                          <a:effectLst/>
+                          <a:latin typeface="Roboto" panose="02000000000000000000" pitchFamily="2" charset="0"/>
+                          <a:ea typeface="Roboto" panose="02000000000000000000" pitchFamily="2" charset="0"/>
+                          <a:cs typeface="Roboto" panose="02000000000000000000" pitchFamily="2" charset="0"/>
+                        </a:rPr>
+                        <a:t>/</a:t>
+                      </a:r>
+                      <a:r>
+                        <a:rPr lang="en-US" sz="1800" b="0" i="1" kern="1200" dirty="0" err="1" smtClean="0">
+                          <a:solidFill>
+                            <a:schemeClr val="tx1"/>
+                          </a:solidFill>
+                          <a:effectLst/>
+                          <a:latin typeface="Roboto" panose="02000000000000000000" pitchFamily="2" charset="0"/>
+                          <a:ea typeface="Roboto" panose="02000000000000000000" pitchFamily="2" charset="0"/>
+                          <a:cs typeface="Roboto" panose="02000000000000000000" pitchFamily="2" charset="0"/>
+                        </a:rPr>
+                        <a:t>build-angular:</a:t>
+                      </a:r>
+                      <a:r>
+                        <a:rPr lang="en-US" sz="1800" b="0" i="1" kern="1200" dirty="0" err="1" smtClean="0">
+                          <a:solidFill>
+                            <a:srgbClr val="00B050"/>
+                          </a:solidFill>
+                          <a:effectLst/>
+                          <a:latin typeface="Roboto" panose="02000000000000000000" pitchFamily="2" charset="0"/>
+                          <a:ea typeface="Roboto" panose="02000000000000000000" pitchFamily="2" charset="0"/>
+                          <a:cs typeface="Roboto" panose="02000000000000000000" pitchFamily="2" charset="0"/>
+                        </a:rPr>
+                        <a:t>dev-server</a:t>
+                      </a:r>
+                      <a:endParaRPr lang="ru-RU" i="1" dirty="0">
+                        <a:solidFill>
+                          <a:srgbClr val="00B050"/>
+                        </a:solidFill>
+                        <a:latin typeface="Roboto" panose="02000000000000000000" pitchFamily="2" charset="0"/>
+                        <a:ea typeface="Roboto" panose="02000000000000000000" pitchFamily="2" charset="0"/>
+                        <a:cs typeface="Roboto" panose="02000000000000000000" pitchFamily="2" charset="0"/>
+                      </a:endParaRPr>
+                    </a:p>
+                  </a:txBody>
+                  <a:tcPr anchor="ctr"/>
+                </a:tc>
+                <a:tc>
+                  <a:txBody>
+                    <a:bodyPr/>
+                    <a:lstStyle/>
+                    <a:p>
+                      <a:r>
+                        <a:rPr lang="en-US" sz="1800" b="0" i="1" kern="1200" dirty="0" smtClean="0">
+                          <a:solidFill>
+                            <a:schemeClr val="tx1"/>
+                          </a:solidFill>
+                          <a:effectLst/>
+                          <a:latin typeface="Roboto" panose="02000000000000000000" pitchFamily="2" charset="0"/>
+                          <a:ea typeface="Roboto" panose="02000000000000000000" pitchFamily="2" charset="0"/>
+                          <a:cs typeface="Roboto" panose="02000000000000000000" pitchFamily="2" charset="0"/>
+                        </a:rPr>
+                        <a:t>@angular-</a:t>
+                      </a:r>
+                      <a:r>
+                        <a:rPr lang="en-US" sz="1800" b="0" i="1" kern="1200" dirty="0" err="1" smtClean="0">
+                          <a:solidFill>
+                            <a:schemeClr val="tx1"/>
+                          </a:solidFill>
+                          <a:effectLst/>
+                          <a:latin typeface="Roboto" panose="02000000000000000000" pitchFamily="2" charset="0"/>
+                          <a:ea typeface="Roboto" panose="02000000000000000000" pitchFamily="2" charset="0"/>
+                          <a:cs typeface="Roboto" panose="02000000000000000000" pitchFamily="2" charset="0"/>
+                        </a:rPr>
+                        <a:t>devkit</a:t>
+                      </a:r>
+                      <a:r>
+                        <a:rPr lang="en-US" sz="1800" b="0" i="1" kern="1200" dirty="0" smtClean="0">
+                          <a:solidFill>
+                            <a:schemeClr val="tx1"/>
+                          </a:solidFill>
+                          <a:effectLst/>
+                          <a:latin typeface="Roboto" panose="02000000000000000000" pitchFamily="2" charset="0"/>
+                          <a:ea typeface="Roboto" panose="02000000000000000000" pitchFamily="2" charset="0"/>
+                          <a:cs typeface="Roboto" panose="02000000000000000000" pitchFamily="2" charset="0"/>
+                        </a:rPr>
+                        <a:t>/</a:t>
+                      </a:r>
+                      <a:r>
+                        <a:rPr lang="en-US" sz="1800" b="0" i="1" kern="1200" dirty="0" err="1" smtClean="0">
+                          <a:solidFill>
+                            <a:schemeClr val="tx1"/>
+                          </a:solidFill>
+                          <a:effectLst/>
+                          <a:latin typeface="Roboto" panose="02000000000000000000" pitchFamily="2" charset="0"/>
+                          <a:ea typeface="Roboto" panose="02000000000000000000" pitchFamily="2" charset="0"/>
+                          <a:cs typeface="Roboto" panose="02000000000000000000" pitchFamily="2" charset="0"/>
+                        </a:rPr>
+                        <a:t>build-angular:</a:t>
+                      </a:r>
+                      <a:r>
+                        <a:rPr lang="en-US" sz="1800" b="0" i="1" kern="1200" dirty="0" err="1" smtClean="0">
+                          <a:solidFill>
+                            <a:srgbClr val="00B050"/>
+                          </a:solidFill>
+                          <a:effectLst/>
+                          <a:latin typeface="Roboto" panose="02000000000000000000" pitchFamily="2" charset="0"/>
+                          <a:ea typeface="Roboto" panose="02000000000000000000" pitchFamily="2" charset="0"/>
+                          <a:cs typeface="Roboto" panose="02000000000000000000" pitchFamily="2" charset="0"/>
+                        </a:rPr>
+                        <a:t>dev-server</a:t>
+                      </a:r>
+                      <a:endParaRPr lang="ru-RU" i="1" dirty="0">
+                        <a:solidFill>
+                          <a:srgbClr val="00B050"/>
+                        </a:solidFill>
+                        <a:latin typeface="Roboto" panose="02000000000000000000" pitchFamily="2" charset="0"/>
+                        <a:ea typeface="Roboto" panose="02000000000000000000" pitchFamily="2" charset="0"/>
+                        <a:cs typeface="Roboto" panose="02000000000000000000" pitchFamily="2" charset="0"/>
+                      </a:endParaRPr>
+                    </a:p>
+                  </a:txBody>
+                  <a:tcPr anchor="ctr"/>
+                </a:tc>
+                <a:extLst>
+                  <a:ext uri="{0D108BD9-81ED-4DB2-BD59-A6C34878D82A}">
+                    <a16:rowId xmlns:a16="http://schemas.microsoft.com/office/drawing/2014/main" val="865325881"/>
+                  </a:ext>
+                </a:extLst>
+              </a:tr>
+            </a:tbl>
+          </a:graphicData>
+        </a:graphic>
+      </p:graphicFrame>
+    </p:spTree>
+    <p:extLst>
+      <p:ext uri="{BB962C8B-B14F-4D97-AF65-F5344CB8AC3E}">
+        <p14:creationId xmlns:p14="http://schemas.microsoft.com/office/powerpoint/2010/main" val="3957050131"/>
+      </p:ext>
+    </p:extLst>
+  </p:cSld>
+  <p:clrMapOvr>
+    <a:masterClrMapping/>
+  </p:clrMapOvr>
+  <p:timing>
+    <p:tnLst>
+      <p:par>
+        <p:cTn id="1" dur="indefinite" restart="never" nodeType="tmRoot"/>
+      </p:par>
+    </p:tnLst>
+  </p:timing>
+</p:sld>
+</file>
+
 <file path=ppt/theme/theme1.xml><?xml version="1.0" encoding="utf-8"?>
 <a:theme xmlns:a="http://schemas.openxmlformats.org/drawingml/2006/main" name="Тема Office">
   <a:themeElements>

--- a/my-brain/Лекция GS/Сборка Angular приложения.pptx
+++ b/my-brain/Лекция GS/Сборка Angular приложения.pptx
@@ -249,7 +249,7 @@
           <a:p>
             <a:fld id="{04E83EB1-0979-4494-9D51-165DBAFE2DE4}" type="datetimeFigureOut">
               <a:rPr lang="ru-RU" smtClean="0"/>
-              <a:t>06.05.2025</a:t>
+              <a:t>11.05.2025</a:t>
             </a:fld>
             <a:endParaRPr lang="ru-RU"/>
           </a:p>
@@ -419,7 +419,7 @@
           <a:p>
             <a:fld id="{04E83EB1-0979-4494-9D51-165DBAFE2DE4}" type="datetimeFigureOut">
               <a:rPr lang="ru-RU" smtClean="0"/>
-              <a:t>06.05.2025</a:t>
+              <a:t>11.05.2025</a:t>
             </a:fld>
             <a:endParaRPr lang="ru-RU"/>
           </a:p>
@@ -599,7 +599,7 @@
           <a:p>
             <a:fld id="{04E83EB1-0979-4494-9D51-165DBAFE2DE4}" type="datetimeFigureOut">
               <a:rPr lang="ru-RU" smtClean="0"/>
-              <a:t>06.05.2025</a:t>
+              <a:t>11.05.2025</a:t>
             </a:fld>
             <a:endParaRPr lang="ru-RU"/>
           </a:p>
@@ -769,7 +769,7 @@
           <a:p>
             <a:fld id="{04E83EB1-0979-4494-9D51-165DBAFE2DE4}" type="datetimeFigureOut">
               <a:rPr lang="ru-RU" smtClean="0"/>
-              <a:t>06.05.2025</a:t>
+              <a:t>11.05.2025</a:t>
             </a:fld>
             <a:endParaRPr lang="ru-RU"/>
           </a:p>
@@ -1015,7 +1015,7 @@
           <a:p>
             <a:fld id="{04E83EB1-0979-4494-9D51-165DBAFE2DE4}" type="datetimeFigureOut">
               <a:rPr lang="ru-RU" smtClean="0"/>
-              <a:t>06.05.2025</a:t>
+              <a:t>11.05.2025</a:t>
             </a:fld>
             <a:endParaRPr lang="ru-RU"/>
           </a:p>
@@ -1247,7 +1247,7 @@
           <a:p>
             <a:fld id="{04E83EB1-0979-4494-9D51-165DBAFE2DE4}" type="datetimeFigureOut">
               <a:rPr lang="ru-RU" smtClean="0"/>
-              <a:t>06.05.2025</a:t>
+              <a:t>11.05.2025</a:t>
             </a:fld>
             <a:endParaRPr lang="ru-RU"/>
           </a:p>
@@ -1614,7 +1614,7 @@
           <a:p>
             <a:fld id="{04E83EB1-0979-4494-9D51-165DBAFE2DE4}" type="datetimeFigureOut">
               <a:rPr lang="ru-RU" smtClean="0"/>
-              <a:t>06.05.2025</a:t>
+              <a:t>11.05.2025</a:t>
             </a:fld>
             <a:endParaRPr lang="ru-RU"/>
           </a:p>
@@ -1732,7 +1732,7 @@
           <a:p>
             <a:fld id="{04E83EB1-0979-4494-9D51-165DBAFE2DE4}" type="datetimeFigureOut">
               <a:rPr lang="ru-RU" smtClean="0"/>
-              <a:t>06.05.2025</a:t>
+              <a:t>11.05.2025</a:t>
             </a:fld>
             <a:endParaRPr lang="ru-RU"/>
           </a:p>
@@ -1827,7 +1827,7 @@
           <a:p>
             <a:fld id="{04E83EB1-0979-4494-9D51-165DBAFE2DE4}" type="datetimeFigureOut">
               <a:rPr lang="ru-RU" smtClean="0"/>
-              <a:t>06.05.2025</a:t>
+              <a:t>11.05.2025</a:t>
             </a:fld>
             <a:endParaRPr lang="ru-RU"/>
           </a:p>
@@ -2104,7 +2104,7 @@
           <a:p>
             <a:fld id="{04E83EB1-0979-4494-9D51-165DBAFE2DE4}" type="datetimeFigureOut">
               <a:rPr lang="ru-RU" smtClean="0"/>
-              <a:t>06.05.2025</a:t>
+              <a:t>11.05.2025</a:t>
             </a:fld>
             <a:endParaRPr lang="ru-RU"/>
           </a:p>
@@ -2357,7 +2357,7 @@
           <a:p>
             <a:fld id="{04E83EB1-0979-4494-9D51-165DBAFE2DE4}" type="datetimeFigureOut">
               <a:rPr lang="ru-RU" smtClean="0"/>
-              <a:t>06.05.2025</a:t>
+              <a:t>11.05.2025</a:t>
             </a:fld>
             <a:endParaRPr lang="ru-RU"/>
           </a:p>
@@ -2570,7 +2570,7 @@
           <a:p>
             <a:fld id="{04E83EB1-0979-4494-9D51-165DBAFE2DE4}" type="datetimeFigureOut">
               <a:rPr lang="ru-RU" smtClean="0"/>
-              <a:t>06.05.2025</a:t>
+              <a:t>11.05.2025</a:t>
             </a:fld>
             <a:endParaRPr lang="ru-RU"/>
           </a:p>
@@ -3233,10 +3233,10 @@
         </p:nvGrpSpPr>
         <p:grpSpPr>
           <a:xfrm>
-            <a:off x="1165705" y="1977993"/>
-            <a:ext cx="9430907" cy="3482089"/>
+            <a:off x="1244953" y="1984089"/>
+            <a:ext cx="9205272" cy="3492648"/>
             <a:chOff x="-233937" y="1612233"/>
-            <a:chExt cx="10003260" cy="3482089"/>
+            <a:chExt cx="9763932" cy="3492648"/>
           </a:xfrm>
         </p:grpSpPr>
         <p:grpSp>
@@ -3749,7 +3749,7 @@
           </p:blipFill>
           <p:spPr>
             <a:xfrm>
-              <a:off x="3578574" y="3078422"/>
+              <a:off x="6304088" y="3077838"/>
               <a:ext cx="499872" cy="543694"/>
             </a:xfrm>
             <a:prstGeom prst="rect">
@@ -3772,7 +3772,7 @@
           </p:blipFill>
           <p:spPr>
             <a:xfrm>
-              <a:off x="6485276" y="3078392"/>
+              <a:off x="9053548" y="3077823"/>
               <a:ext cx="320040" cy="543724"/>
             </a:xfrm>
             <a:prstGeom prst="rect">
@@ -3801,7 +3801,7 @@
           </p:blipFill>
           <p:spPr>
             <a:xfrm>
-              <a:off x="8856044" y="3082747"/>
+              <a:off x="3557106" y="3076376"/>
               <a:ext cx="518586" cy="546618"/>
             </a:xfrm>
             <a:prstGeom prst="rect">
@@ -3918,7 +3918,7 @@
             <a:p>
               <a:pPr algn="ctr"/>
               <a:r>
-                <a:rPr lang="en-US" sz="2400" dirty="0">
+                <a:rPr lang="en-US" sz="2400" dirty="0" err="1" smtClean="0">
                   <a:solidFill>
                     <a:schemeClr val="bg2">
                       <a:lumMod val="50000"/>
@@ -3928,7 +3928,7 @@
                   <a:ea typeface="Roboto Black" panose="02000000000000000000" pitchFamily="2" charset="0"/>
                   <a:cs typeface="Roboto Black" panose="02000000000000000000" pitchFamily="2" charset="0"/>
                 </a:rPr>
-                <a:t>Vite.js</a:t>
+                <a:t>Webpack</a:t>
               </a:r>
               <a:endParaRPr lang="ru-RU" sz="2400" dirty="0">
                 <a:solidFill>
@@ -3951,7 +3951,7 @@
           </p:nvSpPr>
           <p:spPr>
             <a:xfrm>
-              <a:off x="7786357" y="3893993"/>
+              <a:off x="2484015" y="3904552"/>
               <a:ext cx="1982966" cy="1200329"/>
             </a:xfrm>
             <a:prstGeom prst="rect">
@@ -4076,8 +4076,8 @@
         </p:nvSpPr>
         <p:spPr>
           <a:xfrm>
-            <a:off x="3947290" y="4408811"/>
-            <a:ext cx="1459054" cy="461665"/>
+            <a:off x="9274465" y="4414907"/>
+            <a:ext cx="1080745" cy="461665"/>
           </a:xfrm>
           <a:prstGeom prst="rect">
             <a:avLst/>
@@ -4091,7 +4091,7 @@
           <a:p>
             <a:pPr algn="ctr"/>
             <a:r>
-              <a:rPr lang="en-US" sz="2400" dirty="0" err="1" smtClean="0">
+              <a:rPr lang="en-US" sz="2400" dirty="0" smtClean="0">
                 <a:solidFill>
                   <a:schemeClr val="bg2">
                     <a:lumMod val="50000"/>
@@ -4101,7 +4101,7 @@
                 <a:ea typeface="Roboto Black" panose="02000000000000000000" pitchFamily="2" charset="0"/>
                 <a:cs typeface="Roboto Black" panose="02000000000000000000" pitchFamily="2" charset="0"/>
               </a:rPr>
-              <a:t>Webpack</a:t>
+              <a:t>Vite.js</a:t>
             </a:r>
             <a:endParaRPr lang="ru-RU" sz="2400" dirty="0">
               <a:solidFill>
@@ -4750,7 +4750,7 @@
         </p:nvSpPr>
         <p:spPr>
           <a:xfrm>
-            <a:off x="6878783" y="1295400"/>
+            <a:off x="6915359" y="1978152"/>
             <a:ext cx="4800600" cy="415498"/>
           </a:xfrm>
           <a:prstGeom prst="rect">
@@ -4852,7 +4852,7 @@
         </p:nvSpPr>
         <p:spPr>
           <a:xfrm>
-            <a:off x="6878783" y="1931582"/>
+            <a:off x="6915359" y="2614334"/>
             <a:ext cx="4800600" cy="738664"/>
           </a:xfrm>
           <a:prstGeom prst="rect">
@@ -4925,8 +4925,8 @@
         </p:nvSpPr>
         <p:spPr>
           <a:xfrm>
-            <a:off x="6878783" y="3419486"/>
-            <a:ext cx="4800600" cy="1015663"/>
+            <a:off x="6915359" y="4102238"/>
+            <a:ext cx="4800600" cy="738664"/>
           </a:xfrm>
           <a:prstGeom prst="rect">
             <a:avLst/>
@@ -4943,6 +4943,19 @@
               <a:buFont typeface="Arial" panose="020B0604020202020204" pitchFamily="34" charset="0"/>
               <a:buChar char="•"/>
             </a:pPr>
+            <a:r>
+              <a:rPr lang="ru-RU" sz="2100" dirty="0" err="1" smtClean="0">
+                <a:solidFill>
+                  <a:schemeClr val="bg2">
+                    <a:lumMod val="25000"/>
+                  </a:schemeClr>
+                </a:solidFill>
+                <a:latin typeface="Roboto Black" panose="02000000000000000000" pitchFamily="2" charset="0"/>
+                <a:ea typeface="Roboto Black" panose="02000000000000000000" pitchFamily="2" charset="0"/>
+                <a:cs typeface="Roboto Black" panose="02000000000000000000" pitchFamily="2" charset="0"/>
+              </a:rPr>
+              <a:t>Ассеты</a:t>
+            </a:r>
             <a:r>
               <a:rPr lang="ru-RU" sz="2100" dirty="0" smtClean="0">
                 <a:solidFill>
@@ -4954,27 +4967,8 @@
                 <a:ea typeface="Roboto Black" panose="02000000000000000000" pitchFamily="2" charset="0"/>
                 <a:cs typeface="Roboto Black" panose="02000000000000000000" pitchFamily="2" charset="0"/>
               </a:rPr>
-              <a:t>Статические </a:t>
-            </a:r>
-            <a:r>
-              <a:rPr lang="ru-RU" sz="2100" dirty="0">
-                <a:solidFill>
-                  <a:schemeClr val="bg2">
-                    <a:lumMod val="25000"/>
-                  </a:schemeClr>
-                </a:solidFill>
-                <a:latin typeface="Roboto Black" panose="02000000000000000000" pitchFamily="2" charset="0"/>
-                <a:ea typeface="Roboto Black" panose="02000000000000000000" pitchFamily="2" charset="0"/>
-                <a:cs typeface="Roboto Black" panose="02000000000000000000" pitchFamily="2" charset="0"/>
-              </a:rPr>
-              <a:t>файлы нужно переносить отдельно</a:t>
-            </a:r>
-          </a:p>
-          <a:p>
-            <a:pPr marL="285750" indent="-285750">
-              <a:buFont typeface="Arial" panose="020B0604020202020204" pitchFamily="34" charset="0"/>
-              <a:buChar char="•"/>
-            </a:pPr>
+              <a:t> нужно переносить отдельно</a:t>
+            </a:r>
             <a:endParaRPr lang="ru-RU" dirty="0">
               <a:latin typeface="Roboto Black" panose="02000000000000000000" pitchFamily="2" charset="0"/>
               <a:ea typeface="Roboto Black" panose="02000000000000000000" pitchFamily="2" charset="0"/>
@@ -4991,7 +4985,7 @@
         </p:nvSpPr>
         <p:spPr>
           <a:xfrm>
-            <a:off x="6878783" y="2868452"/>
+            <a:off x="6915359" y="3551204"/>
             <a:ext cx="4800600" cy="692497"/>
           </a:xfrm>
           <a:prstGeom prst="rect">
@@ -5976,8 +5970,8 @@
         </p:blipFill>
         <p:spPr>
           <a:xfrm>
-            <a:off x="597535" y="1255359"/>
-            <a:ext cx="5765165" cy="5111810"/>
+            <a:off x="250063" y="1156830"/>
+            <a:ext cx="6230472" cy="5524385"/>
           </a:xfrm>
           <a:prstGeom prst="rect">
             <a:avLst/>
@@ -5992,8 +5986,8 @@
         </p:nvSpPr>
         <p:spPr>
           <a:xfrm>
-            <a:off x="6758940" y="1592580"/>
-            <a:ext cx="3802380" cy="2308324"/>
+            <a:off x="6856476" y="1302440"/>
+            <a:ext cx="3802380" cy="923330"/>
           </a:xfrm>
           <a:prstGeom prst="rect">
             <a:avLst/>
@@ -6015,12 +6009,12 @@
               <a:t>Конфигурация для </a:t>
             </a:r>
             <a:r>
-              <a:rPr lang="ru-RU" dirty="0" err="1" smtClean="0">
+              <a:rPr lang="en-US" dirty="0" smtClean="0">
                 <a:latin typeface="Roboto" panose="02000000000000000000" pitchFamily="2" charset="0"/>
                 <a:ea typeface="Roboto" panose="02000000000000000000" pitchFamily="2" charset="0"/>
                 <a:cs typeface="Roboto" panose="02000000000000000000" pitchFamily="2" charset="0"/>
               </a:rPr>
-              <a:t>билдеров</a:t>
+              <a:t>targets</a:t>
             </a:r>
             <a:r>
               <a:rPr lang="ru-RU" dirty="0" smtClean="0">
@@ -6028,7 +6022,15 @@
                 <a:ea typeface="Roboto" panose="02000000000000000000" pitchFamily="2" charset="0"/>
                 <a:cs typeface="Roboto" panose="02000000000000000000" pitchFamily="2" charset="0"/>
               </a:rPr>
-              <a:t> задается в файле </a:t>
+              <a:t> </a:t>
+            </a:r>
+            <a:r>
+              <a:rPr lang="ru-RU" dirty="0" smtClean="0">
+                <a:latin typeface="Roboto" panose="02000000000000000000" pitchFamily="2" charset="0"/>
+                <a:ea typeface="Roboto" panose="02000000000000000000" pitchFamily="2" charset="0"/>
+                <a:cs typeface="Roboto" panose="02000000000000000000" pitchFamily="2" charset="0"/>
+              </a:rPr>
+              <a:t>задается в файле </a:t>
             </a:r>
             <a:r>
               <a:rPr lang="en-US" b="1" i="1" dirty="0" err="1" smtClean="0">
@@ -6071,20 +6073,29 @@
               <a:t>.</a:t>
             </a:r>
           </a:p>
-          <a:p>
-            <a:endParaRPr lang="en-US" dirty="0">
-              <a:latin typeface="Roboto Black" panose="02000000000000000000" pitchFamily="2" charset="0"/>
-              <a:ea typeface="Roboto Black" panose="02000000000000000000" pitchFamily="2" charset="0"/>
-              <a:cs typeface="Roboto Black" panose="02000000000000000000" pitchFamily="2" charset="0"/>
-            </a:endParaRPr>
-          </a:p>
-          <a:p>
-            <a:endParaRPr lang="en-US" dirty="0" smtClean="0">
-              <a:latin typeface="Roboto Black" panose="02000000000000000000" pitchFamily="2" charset="0"/>
-              <a:ea typeface="Roboto Black" panose="02000000000000000000" pitchFamily="2" charset="0"/>
-              <a:cs typeface="Roboto Black" panose="02000000000000000000" pitchFamily="2" charset="0"/>
-            </a:endParaRPr>
-          </a:p>
+        </p:txBody>
+      </p:sp>
+      <p:sp>
+        <p:nvSpPr>
+          <p:cNvPr id="6" name="TextBox 5"/>
+          <p:cNvSpPr txBox="1"/>
+          <p:nvPr/>
+        </p:nvSpPr>
+        <p:spPr>
+          <a:xfrm>
+            <a:off x="6856476" y="3942106"/>
+            <a:ext cx="3802380" cy="923330"/>
+          </a:xfrm>
+          <a:prstGeom prst="rect">
+            <a:avLst/>
+          </a:prstGeom>
+          <a:noFill/>
+        </p:spPr>
+        <p:txBody>
+          <a:bodyPr wrap="square" rtlCol="0">
+            <a:spAutoFit/>
+          </a:bodyPr>
+          <a:lstStyle/>
           <a:p>
             <a:r>
               <a:rPr lang="en-US" dirty="0" smtClean="0">
@@ -6116,7 +6127,7 @@
                 <a:ea typeface="Roboto" panose="02000000000000000000" pitchFamily="2" charset="0"/>
                 <a:cs typeface="Roboto" panose="02000000000000000000" pitchFamily="2" charset="0"/>
               </a:rPr>
-              <a:t>пакет, реализующий структуру, описанную в сущности </a:t>
+              <a:t>пакет, реализованный по структуре, понятной </a:t>
             </a:r>
             <a:r>
               <a:rPr lang="en-US" b="1" i="1" dirty="0" smtClean="0">
@@ -6124,7 +6135,7 @@
                 <a:ea typeface="Roboto" panose="02000000000000000000" pitchFamily="2" charset="0"/>
                 <a:cs typeface="Roboto" panose="02000000000000000000" pitchFamily="2" charset="0"/>
               </a:rPr>
-              <a:t>Architect</a:t>
+              <a:t>Angular Architect</a:t>
             </a:r>
             <a:r>
               <a:rPr lang="en-US" dirty="0" smtClean="0">
@@ -6135,6 +6146,171 @@
               <a:t>.</a:t>
             </a:r>
             <a:endParaRPr lang="en-US" dirty="0">
+              <a:latin typeface="Roboto" panose="02000000000000000000" pitchFamily="2" charset="0"/>
+              <a:ea typeface="Roboto" panose="02000000000000000000" pitchFamily="2" charset="0"/>
+              <a:cs typeface="Roboto" panose="02000000000000000000" pitchFamily="2" charset="0"/>
+            </a:endParaRPr>
+          </a:p>
+        </p:txBody>
+      </p:sp>
+      <p:grpSp>
+        <p:nvGrpSpPr>
+          <p:cNvPr id="7" name="Группа 6"/>
+          <p:cNvGrpSpPr/>
+          <p:nvPr/>
+        </p:nvGrpSpPr>
+        <p:grpSpPr>
+          <a:xfrm>
+            <a:off x="6856476" y="5001286"/>
+            <a:ext cx="4560313" cy="1679929"/>
+            <a:chOff x="688343" y="1755621"/>
+            <a:chExt cx="4560313" cy="1679929"/>
+          </a:xfrm>
+        </p:grpSpPr>
+        <p:pic>
+          <p:nvPicPr>
+            <p:cNvPr id="9" name="Рисунок 8"/>
+            <p:cNvPicPr>
+              <a:picLocks noChangeAspect="1"/>
+            </p:cNvPicPr>
+            <p:nvPr/>
+          </p:nvPicPr>
+          <p:blipFill rotWithShape="1">
+            <a:blip r:embed="rId3"/>
+            <a:srcRect l="1" r="33054" b="59312"/>
+            <a:stretch/>
+          </p:blipFill>
+          <p:spPr>
+            <a:xfrm>
+              <a:off x="688343" y="1755621"/>
+              <a:ext cx="4560313" cy="865659"/>
+            </a:xfrm>
+            <a:prstGeom prst="rect">
+              <a:avLst/>
+            </a:prstGeom>
+          </p:spPr>
+        </p:pic>
+        <p:pic>
+          <p:nvPicPr>
+            <p:cNvPr id="10" name="Рисунок 9"/>
+            <p:cNvPicPr>
+              <a:picLocks noChangeAspect="1"/>
+            </p:cNvPicPr>
+            <p:nvPr/>
+          </p:nvPicPr>
+          <p:blipFill rotWithShape="1">
+            <a:blip r:embed="rId4"/>
+            <a:srcRect t="13023" r="9343"/>
+            <a:stretch/>
+          </p:blipFill>
+          <p:spPr>
+            <a:xfrm>
+              <a:off x="688343" y="2621280"/>
+              <a:ext cx="4554217" cy="814270"/>
+            </a:xfrm>
+            <a:prstGeom prst="rect">
+              <a:avLst/>
+            </a:prstGeom>
+          </p:spPr>
+        </p:pic>
+      </p:grpSp>
+      <p:sp>
+        <p:nvSpPr>
+          <p:cNvPr id="11" name="TextBox 10"/>
+          <p:cNvSpPr txBox="1"/>
+          <p:nvPr/>
+        </p:nvSpPr>
+        <p:spPr>
+          <a:xfrm>
+            <a:off x="6856476" y="2440250"/>
+            <a:ext cx="3802380" cy="1200329"/>
+          </a:xfrm>
+          <a:prstGeom prst="rect">
+            <a:avLst/>
+          </a:prstGeom>
+          <a:noFill/>
+        </p:spPr>
+        <p:txBody>
+          <a:bodyPr wrap="square" rtlCol="0">
+            <a:spAutoFit/>
+          </a:bodyPr>
+          <a:lstStyle/>
+          <a:p>
+            <a:r>
+              <a:rPr lang="en-US" dirty="0">
+                <a:latin typeface="Roboto Black" panose="02000000000000000000" pitchFamily="2" charset="0"/>
+                <a:ea typeface="Roboto Black" panose="02000000000000000000" pitchFamily="2" charset="0"/>
+                <a:cs typeface="Roboto Black" panose="02000000000000000000" pitchFamily="2" charset="0"/>
+              </a:rPr>
+              <a:t>b</a:t>
+            </a:r>
+            <a:r>
+              <a:rPr lang="en-US" dirty="0" smtClean="0">
+                <a:latin typeface="Roboto Black" panose="02000000000000000000" pitchFamily="2" charset="0"/>
+                <a:ea typeface="Roboto Black" panose="02000000000000000000" pitchFamily="2" charset="0"/>
+                <a:cs typeface="Roboto Black" panose="02000000000000000000" pitchFamily="2" charset="0"/>
+              </a:rPr>
+              <a:t>uild, serve, test, lint </a:t>
+            </a:r>
+            <a:r>
+              <a:rPr lang="en-US" dirty="0" smtClean="0">
+                <a:latin typeface="Roboto" panose="02000000000000000000" pitchFamily="2" charset="0"/>
+                <a:ea typeface="Roboto" panose="02000000000000000000" pitchFamily="2" charset="0"/>
+                <a:cs typeface="Roboto" panose="02000000000000000000" pitchFamily="2" charset="0"/>
+              </a:rPr>
+              <a:t>– default targets.</a:t>
+            </a:r>
+            <a:br>
+              <a:rPr lang="en-US" dirty="0" smtClean="0">
+                <a:latin typeface="Roboto" panose="02000000000000000000" pitchFamily="2" charset="0"/>
+                <a:ea typeface="Roboto" panose="02000000000000000000" pitchFamily="2" charset="0"/>
+                <a:cs typeface="Roboto" panose="02000000000000000000" pitchFamily="2" charset="0"/>
+              </a:rPr>
+            </a:br>
+            <a:r>
+              <a:rPr lang="en-US" dirty="0" smtClean="0">
+                <a:latin typeface="Roboto" panose="02000000000000000000" pitchFamily="2" charset="0"/>
+                <a:ea typeface="Roboto" panose="02000000000000000000" pitchFamily="2" charset="0"/>
+                <a:cs typeface="Roboto" panose="02000000000000000000" pitchFamily="2" charset="0"/>
+              </a:rPr>
+              <a:t/>
+            </a:r>
+            <a:br>
+              <a:rPr lang="en-US" dirty="0" smtClean="0">
+                <a:latin typeface="Roboto" panose="02000000000000000000" pitchFamily="2" charset="0"/>
+                <a:ea typeface="Roboto" panose="02000000000000000000" pitchFamily="2" charset="0"/>
+                <a:cs typeface="Roboto" panose="02000000000000000000" pitchFamily="2" charset="0"/>
+              </a:rPr>
+            </a:br>
+            <a:r>
+              <a:rPr lang="en-US" b="1" i="1" dirty="0" smtClean="0">
+                <a:latin typeface="Roboto" panose="02000000000000000000" pitchFamily="2" charset="0"/>
+                <a:ea typeface="Roboto" panose="02000000000000000000" pitchFamily="2" charset="0"/>
+                <a:cs typeface="Roboto" panose="02000000000000000000" pitchFamily="2" charset="0"/>
+              </a:rPr>
+              <a:t>ng run</a:t>
+            </a:r>
+            <a:r>
+              <a:rPr lang="en-US" dirty="0" smtClean="0">
+                <a:latin typeface="Roboto" panose="02000000000000000000" pitchFamily="2" charset="0"/>
+                <a:ea typeface="Roboto" panose="02000000000000000000" pitchFamily="2" charset="0"/>
+                <a:cs typeface="Roboto" panose="02000000000000000000" pitchFamily="2" charset="0"/>
+              </a:rPr>
+              <a:t> </a:t>
+            </a:r>
+            <a:r>
+              <a:rPr lang="en-US" b="1" i="1" dirty="0" err="1" smtClean="0"/>
+              <a:t>project:target</a:t>
+            </a:r>
+            <a:r>
+              <a:rPr lang="en-US" b="1" i="1" dirty="0"/>
+              <a:t>[:configuration</a:t>
+            </a:r>
+            <a:r>
+              <a:rPr lang="en-US" b="1" i="1" dirty="0" smtClean="0"/>
+              <a:t>]</a:t>
+            </a:r>
+            <a:endParaRPr lang="en-US" b="1" i="1" dirty="0" smtClean="0">
               <a:latin typeface="Roboto" panose="02000000000000000000" pitchFamily="2" charset="0"/>
               <a:ea typeface="Roboto" panose="02000000000000000000" pitchFamily="2" charset="0"/>
               <a:cs typeface="Roboto" panose="02000000000000000000" pitchFamily="2" charset="0"/>
@@ -6155,9 +6331,217 @@
   <p:timing>
     <p:tnLst>
       <p:par>
-        <p:cTn id="1" dur="indefinite" restart="never" nodeType="tmRoot"/>
+        <p:cTn id="1" dur="indefinite" restart="never" nodeType="tmRoot">
+          <p:childTnLst>
+            <p:seq concurrent="1" nextAc="seek">
+              <p:cTn id="2" dur="indefinite" nodeType="mainSeq">
+                <p:childTnLst>
+                  <p:par>
+                    <p:cTn id="3" fill="hold">
+                      <p:stCondLst>
+                        <p:cond delay="indefinite"/>
+                      </p:stCondLst>
+                      <p:childTnLst>
+                        <p:par>
+                          <p:cTn id="4" fill="hold">
+                            <p:stCondLst>
+                              <p:cond delay="0"/>
+                            </p:stCondLst>
+                            <p:childTnLst>
+                              <p:par>
+                                <p:cTn id="5" presetID="1" presetClass="entr" presetSubtype="0" fill="hold" grpId="0" nodeType="clickEffect">
+                                  <p:stCondLst>
+                                    <p:cond delay="0"/>
+                                  </p:stCondLst>
+                                  <p:childTnLst>
+                                    <p:set>
+                                      <p:cBhvr>
+                                        <p:cTn id="6" dur="1" fill="hold">
+                                          <p:stCondLst>
+                                            <p:cond delay="0"/>
+                                          </p:stCondLst>
+                                        </p:cTn>
+                                        <p:tgtEl>
+                                          <p:spTgt spid="5"/>
+                                        </p:tgtEl>
+                                        <p:attrNameLst>
+                                          <p:attrName>style.visibility</p:attrName>
+                                        </p:attrNameLst>
+                                      </p:cBhvr>
+                                      <p:to>
+                                        <p:strVal val="visible"/>
+                                      </p:to>
+                                    </p:set>
+                                  </p:childTnLst>
+                                </p:cTn>
+                              </p:par>
+                            </p:childTnLst>
+                          </p:cTn>
+                        </p:par>
+                      </p:childTnLst>
+                    </p:cTn>
+                  </p:par>
+                  <p:par>
+                    <p:cTn id="7" fill="hold">
+                      <p:stCondLst>
+                        <p:cond delay="indefinite"/>
+                      </p:stCondLst>
+                      <p:childTnLst>
+                        <p:par>
+                          <p:cTn id="8" fill="hold">
+                            <p:stCondLst>
+                              <p:cond delay="0"/>
+                            </p:stCondLst>
+                            <p:childTnLst>
+                              <p:par>
+                                <p:cTn id="9" presetID="1" presetClass="entr" presetSubtype="0" fill="hold" grpId="0" nodeType="clickEffect">
+                                  <p:stCondLst>
+                                    <p:cond delay="0"/>
+                                  </p:stCondLst>
+                                  <p:childTnLst>
+                                    <p:set>
+                                      <p:cBhvr>
+                                        <p:cTn id="10" dur="1" fill="hold">
+                                          <p:stCondLst>
+                                            <p:cond delay="0"/>
+                                          </p:stCondLst>
+                                        </p:cTn>
+                                        <p:tgtEl>
+                                          <p:spTgt spid="11"/>
+                                        </p:tgtEl>
+                                        <p:attrNameLst>
+                                          <p:attrName>style.visibility</p:attrName>
+                                        </p:attrNameLst>
+                                      </p:cBhvr>
+                                      <p:to>
+                                        <p:strVal val="visible"/>
+                                      </p:to>
+                                    </p:set>
+                                  </p:childTnLst>
+                                </p:cTn>
+                              </p:par>
+                            </p:childTnLst>
+                          </p:cTn>
+                        </p:par>
+                      </p:childTnLst>
+                    </p:cTn>
+                  </p:par>
+                  <p:par>
+                    <p:cTn id="11" fill="hold">
+                      <p:stCondLst>
+                        <p:cond delay="indefinite"/>
+                      </p:stCondLst>
+                      <p:childTnLst>
+                        <p:par>
+                          <p:cTn id="12" fill="hold">
+                            <p:stCondLst>
+                              <p:cond delay="0"/>
+                            </p:stCondLst>
+                            <p:childTnLst>
+                              <p:par>
+                                <p:cTn id="13" presetID="1" presetClass="entr" presetSubtype="0" fill="hold" grpId="0" nodeType="clickEffect">
+                                  <p:stCondLst>
+                                    <p:cond delay="0"/>
+                                  </p:stCondLst>
+                                  <p:childTnLst>
+                                    <p:set>
+                                      <p:cBhvr>
+                                        <p:cTn id="14" dur="1" fill="hold">
+                                          <p:stCondLst>
+                                            <p:cond delay="0"/>
+                                          </p:stCondLst>
+                                        </p:cTn>
+                                        <p:tgtEl>
+                                          <p:spTgt spid="6"/>
+                                        </p:tgtEl>
+                                        <p:attrNameLst>
+                                          <p:attrName>style.visibility</p:attrName>
+                                        </p:attrNameLst>
+                                      </p:cBhvr>
+                                      <p:to>
+                                        <p:strVal val="visible"/>
+                                      </p:to>
+                                    </p:set>
+                                  </p:childTnLst>
+                                </p:cTn>
+                              </p:par>
+                            </p:childTnLst>
+                          </p:cTn>
+                        </p:par>
+                      </p:childTnLst>
+                    </p:cTn>
+                  </p:par>
+                  <p:par>
+                    <p:cTn id="15" fill="hold">
+                      <p:stCondLst>
+                        <p:cond delay="indefinite"/>
+                      </p:stCondLst>
+                      <p:childTnLst>
+                        <p:par>
+                          <p:cTn id="16" fill="hold">
+                            <p:stCondLst>
+                              <p:cond delay="0"/>
+                            </p:stCondLst>
+                            <p:childTnLst>
+                              <p:par>
+                                <p:cTn id="17" presetID="1" presetClass="entr" presetSubtype="0" fill="hold" nodeType="clickEffect">
+                                  <p:stCondLst>
+                                    <p:cond delay="0"/>
+                                  </p:stCondLst>
+                                  <p:childTnLst>
+                                    <p:set>
+                                      <p:cBhvr>
+                                        <p:cTn id="18" dur="1" fill="hold">
+                                          <p:stCondLst>
+                                            <p:cond delay="0"/>
+                                          </p:stCondLst>
+                                        </p:cTn>
+                                        <p:tgtEl>
+                                          <p:spTgt spid="7"/>
+                                        </p:tgtEl>
+                                        <p:attrNameLst>
+                                          <p:attrName>style.visibility</p:attrName>
+                                        </p:attrNameLst>
+                                      </p:cBhvr>
+                                      <p:to>
+                                        <p:strVal val="visible"/>
+                                      </p:to>
+                                    </p:set>
+                                  </p:childTnLst>
+                                </p:cTn>
+                              </p:par>
+                            </p:childTnLst>
+                          </p:cTn>
+                        </p:par>
+                      </p:childTnLst>
+                    </p:cTn>
+                  </p:par>
+                </p:childTnLst>
+              </p:cTn>
+              <p:prevCondLst>
+                <p:cond evt="onPrev" delay="0">
+                  <p:tgtEl>
+                    <p:sldTgt/>
+                  </p:tgtEl>
+                </p:cond>
+              </p:prevCondLst>
+              <p:nextCondLst>
+                <p:cond evt="onNext" delay="0">
+                  <p:tgtEl>
+                    <p:sldTgt/>
+                  </p:tgtEl>
+                </p:cond>
+              </p:nextCondLst>
+            </p:seq>
+          </p:childTnLst>
+        </p:cTn>
       </p:par>
     </p:tnLst>
+    <p:bldLst>
+      <p:bldP spid="5" grpId="0"/>
+      <p:bldP spid="6" grpId="0"/>
+      <p:bldP spid="11" grpId="0"/>
+    </p:bldLst>
   </p:timing>
 </p:sld>
 </file>
@@ -6269,7 +6653,7 @@
           <p:nvPr>
             <p:extLst>
               <p:ext uri="{D42A27DB-BD31-4B8C-83A1-F6EECF244321}">
-                <p14:modId xmlns:p14="http://schemas.microsoft.com/office/powerpoint/2010/main" val="2124910415"/>
+                <p14:modId xmlns:p14="http://schemas.microsoft.com/office/powerpoint/2010/main" val="1689152406"/>
               </p:ext>
             </p:extLst>
           </p:nvPr>
@@ -6366,7 +6750,7 @@
                           <a:ea typeface="Roboto Black" panose="02000000000000000000" pitchFamily="2" charset="0"/>
                           <a:cs typeface="Roboto Black" panose="02000000000000000000" pitchFamily="2" charset="0"/>
                         </a:rPr>
-                        <a:t>Version &gt;=17</a:t>
+                        <a:t>Version &gt;= 17</a:t>
                       </a:r>
                       <a:endParaRPr lang="ru-RU" dirty="0">
                         <a:latin typeface="Roboto Black" panose="02000000000000000000" pitchFamily="2" charset="0"/>
@@ -6464,7 +6848,7 @@
                       <a:r>
                         <a:rPr lang="en-US" sz="1800" b="0" i="1" kern="1200" dirty="0" err="1" smtClean="0">
                           <a:solidFill>
-                            <a:srgbClr val="00B0F0"/>
+                            <a:srgbClr val="00B050"/>
                           </a:solidFill>
                           <a:effectLst/>
                           <a:latin typeface="Roboto" panose="02000000000000000000" pitchFamily="2" charset="0"/>
@@ -6475,7 +6859,7 @@
                       </a:r>
                       <a:endParaRPr lang="ru-RU" sz="1800" b="0" i="1" kern="1200" dirty="0" smtClean="0">
                         <a:solidFill>
-                          <a:srgbClr val="00B0F0"/>
+                          <a:srgbClr val="00B050"/>
                         </a:solidFill>
                         <a:effectLst/>
                         <a:latin typeface="Roboto" panose="02000000000000000000" pitchFamily="2" charset="0"/>
@@ -6548,9 +6932,7 @@
                       <a:r>
                         <a:rPr lang="en-US" sz="1800" b="0" i="1" kern="1200" dirty="0" err="1" smtClean="0">
                           <a:solidFill>
-                            <a:schemeClr val="accent2">
-                              <a:lumMod val="75000"/>
-                            </a:schemeClr>
+                            <a:srgbClr val="00B050"/>
                           </a:solidFill>
                           <a:effectLst/>
                           <a:latin typeface="Roboto" panose="02000000000000000000" pitchFamily="2" charset="0"/>
@@ -6561,9 +6943,7 @@
                       </a:r>
                       <a:endParaRPr lang="ru-RU" i="1" dirty="0">
                         <a:solidFill>
-                          <a:schemeClr val="accent2">
-                            <a:lumMod val="75000"/>
-                          </a:schemeClr>
+                          <a:srgbClr val="00B050"/>
                         </a:solidFill>
                         <a:latin typeface="Roboto" panose="02000000000000000000" pitchFamily="2" charset="0"/>
                         <a:ea typeface="Roboto" panose="02000000000000000000" pitchFamily="2" charset="0"/>
@@ -6630,7 +7010,7 @@
                       <a:r>
                         <a:rPr lang="en-US" sz="1800" b="0" i="1" kern="1200" dirty="0" err="1" smtClean="0">
                           <a:solidFill>
-                            <a:srgbClr val="00B0F0"/>
+                            <a:srgbClr val="00B050"/>
                           </a:solidFill>
                           <a:effectLst/>
                           <a:latin typeface="Roboto" panose="02000000000000000000" pitchFamily="2" charset="0"/>
@@ -6641,7 +7021,7 @@
                       </a:r>
                       <a:endParaRPr lang="ru-RU" sz="1800" b="0" i="1" kern="1200" dirty="0" smtClean="0">
                         <a:solidFill>
-                          <a:srgbClr val="00B0F0"/>
+                          <a:srgbClr val="00B050"/>
                         </a:solidFill>
                         <a:effectLst/>
                         <a:latin typeface="Roboto" panose="02000000000000000000" pitchFamily="2" charset="0"/>
